--- a/Docs/KS_SIGNUP_2.pptx
+++ b/Docs/KS_SIGNUP_2.pptx
@@ -18,13 +18,10 @@
     <p:sldId id="263" r:id="rId12"/>
     <p:sldId id="264" r:id="rId13"/>
     <p:sldId id="276" r:id="rId14"/>
-    <p:sldId id="265" r:id="rId15"/>
-    <p:sldId id="278" r:id="rId16"/>
-    <p:sldId id="269" r:id="rId17"/>
-    <p:sldId id="270" r:id="rId18"/>
-    <p:sldId id="271" r:id="rId19"/>
-    <p:sldId id="272" r:id="rId20"/>
-    <p:sldId id="283" r:id="rId21"/>
+    <p:sldId id="269" r:id="rId15"/>
+    <p:sldId id="270" r:id="rId16"/>
+    <p:sldId id="272" r:id="rId17"/>
+    <p:sldId id="283" r:id="rId18"/>
   </p:sldIdLst>
   <p:sldSz cx="12192000" cy="6858000"/>
   <p:notesSz cx="6858000" cy="9144000"/>
@@ -141,15 +138,12 @@
             <p14:sldId id="263"/>
             <p14:sldId id="264"/>
             <p14:sldId id="276"/>
-            <p14:sldId id="265"/>
-            <p14:sldId id="278"/>
           </p14:sldIdLst>
         </p14:section>
         <p14:section name="SIGNUP EMAIL" id="{A887C794-A78C-47BA-AECD-A9F031460B67}">
           <p14:sldIdLst>
             <p14:sldId id="269"/>
             <p14:sldId id="270"/>
-            <p14:sldId id="271"/>
             <p14:sldId id="272"/>
             <p14:sldId id="283"/>
           </p14:sldIdLst>
@@ -157,7 +151,7 @@
       </p14:sectionLst>
     </p:ext>
     <p:ext uri="{EFAFB233-063F-42B5-8137-9DF3F51BA10A}">
-      <p15:sldGuideLst xmlns="" xmlns:p15="http://schemas.microsoft.com/office/powerpoint/2012/main"/>
+      <p15:sldGuideLst xmlns:p15="http://schemas.microsoft.com/office/powerpoint/2012/main" xmlns=""/>
     </p:ext>
   </p:extLst>
 </p:presentation>
@@ -389,7 +383,7 @@
           <a:p>
             <a:fld id="{96DFF08F-DC6B-4601-B491-B0F83F6DD2DA}" type="datetimeFigureOut">
               <a:rPr lang="en-US" dirty="0"/>
-              <a:t>1/13/2015</a:t>
+              <a:t>3/16/2015</a:t>
             </a:fld>
             <a:endParaRPr lang="en-US" dirty="0"/>
           </a:p>
@@ -592,7 +586,7 @@
           <a:p>
             <a:fld id="{96DFF08F-DC6B-4601-B491-B0F83F6DD2DA}" type="datetimeFigureOut">
               <a:rPr lang="en-US" dirty="0"/>
-              <a:t>1/13/2015</a:t>
+              <a:t>3/16/2015</a:t>
             </a:fld>
             <a:endParaRPr lang="en-US" dirty="0"/>
           </a:p>
@@ -843,7 +837,7 @@
           <a:p>
             <a:fld id="{96DFF08F-DC6B-4601-B491-B0F83F6DD2DA}" type="datetimeFigureOut">
               <a:rPr lang="en-US" dirty="0"/>
-              <a:t>1/13/2015</a:t>
+              <a:t>3/16/2015</a:t>
             </a:fld>
             <a:endParaRPr lang="en-US" dirty="0"/>
           </a:p>
@@ -1008,7 +1002,7 @@
           <a:p>
             <a:fld id="{D62CEF3B-A037-46D0-B02C-1428F07E9383}" type="datetimeFigureOut">
               <a:rPr lang="en-US" dirty="0"/>
-              <a:t>1/13/2015</a:t>
+              <a:t>3/16/2015</a:t>
             </a:fld>
             <a:endParaRPr lang="en-US" dirty="0"/>
           </a:p>
@@ -1346,7 +1340,7 @@
           <a:p>
             <a:fld id="{96DFF08F-DC6B-4601-B491-B0F83F6DD2DA}" type="datetimeFigureOut">
               <a:rPr lang="en-US" dirty="0"/>
-              <a:t>1/13/2015</a:t>
+              <a:t>3/16/2015</a:t>
             </a:fld>
             <a:endParaRPr lang="en-US" dirty="0"/>
           </a:p>
@@ -1616,7 +1610,7 @@
           <a:p>
             <a:fld id="{96DFF08F-DC6B-4601-B491-B0F83F6DD2DA}" type="datetimeFigureOut">
               <a:rPr lang="en-US" dirty="0"/>
-              <a:t>1/13/2015</a:t>
+              <a:t>3/16/2015</a:t>
             </a:fld>
             <a:endParaRPr lang="en-US" dirty="0"/>
           </a:p>
@@ -1990,7 +1984,7 @@
           <a:p>
             <a:fld id="{96DFF08F-DC6B-4601-B491-B0F83F6DD2DA}" type="datetimeFigureOut">
               <a:rPr lang="en-US" dirty="0"/>
-              <a:t>1/13/2015</a:t>
+              <a:t>3/16/2015</a:t>
             </a:fld>
             <a:endParaRPr lang="en-US" dirty="0"/>
           </a:p>
@@ -2103,7 +2097,7 @@
           <a:p>
             <a:fld id="{96DFF08F-DC6B-4601-B491-B0F83F6DD2DA}" type="datetimeFigureOut">
               <a:rPr lang="en-US" dirty="0"/>
-              <a:t>1/13/2015</a:t>
+              <a:t>3/16/2015</a:t>
             </a:fld>
             <a:endParaRPr lang="en-US" dirty="0"/>
           </a:p>
@@ -2270,7 +2264,7 @@
             <a:fld id="{96DFF08F-DC6B-4601-B491-B0F83F6DD2DA}" type="datetimeFigureOut">
               <a:rPr lang="en-US" dirty="0"/>
               <a:pPr/>
-              <a:t>1/13/2015</a:t>
+              <a:t>3/16/2015</a:t>
             </a:fld>
             <a:endParaRPr lang="en-US" dirty="0"/>
           </a:p>
@@ -2621,7 +2615,7 @@
             <a:fld id="{96DFF08F-DC6B-4601-B491-B0F83F6DD2DA}" type="datetimeFigureOut">
               <a:rPr lang="en-US" dirty="0"/>
               <a:pPr/>
-              <a:t>1/13/2015</a:t>
+              <a:t>3/16/2015</a:t>
             </a:fld>
             <a:endParaRPr lang="en-US" dirty="0"/>
           </a:p>
@@ -2994,7 +2988,7 @@
           <a:p>
             <a:fld id="{96DFF08F-DC6B-4601-B491-B0F83F6DD2DA}" type="datetimeFigureOut">
               <a:rPr lang="en-US" dirty="0"/>
-              <a:t>1/13/2015</a:t>
+              <a:t>3/16/2015</a:t>
             </a:fld>
             <a:endParaRPr lang="en-US" dirty="0"/>
           </a:p>
@@ -3277,7 +3271,7 @@
             <a:fld id="{96DFF08F-DC6B-4601-B491-B0F83F6DD2DA}" type="datetimeFigureOut">
               <a:rPr lang="en-US" dirty="0"/>
               <a:pPr/>
-              <a:t>1/13/2015</a:t>
+              <a:t>3/16/2015</a:t>
             </a:fld>
             <a:endParaRPr lang="en-US" dirty="0"/>
           </a:p>
@@ -4000,7 +3994,13 @@
               <a:rPr lang="ru-RU" dirty="0">
                 <a:latin typeface="Century Gothic" panose="020B0502020202020204" pitchFamily="34" charset="0"/>
               </a:rPr>
-              <a:t>картки», см. следующий слайд</a:t>
+              <a:t>картки», см. </a:t>
+            </a:r>
+            <a:r>
+              <a:rPr lang="ru-RU" dirty="0" smtClean="0">
+                <a:latin typeface="Century Gothic" panose="020B0502020202020204" pitchFamily="34" charset="0"/>
+              </a:rPr>
+              <a:t>слайд 11</a:t>
             </a:r>
             <a:endParaRPr lang="uk-UA" dirty="0" smtClean="0">
               <a:latin typeface="Century Gothic" panose="020B0502020202020204" pitchFamily="34" charset="0"/>
@@ -4008,15 +4008,32 @@
           </a:p>
         </p:txBody>
       </p:sp>
+      <p:sp>
+        <p:nvSpPr>
+          <p:cNvPr id="3" name="Content Placeholder 2"/>
+          <p:cNvSpPr>
+            <a:spLocks noGrp="1"/>
+          </p:cNvSpPr>
+          <p:nvPr>
+            <p:ph idx="1"/>
+          </p:nvPr>
+        </p:nvSpPr>
+        <p:spPr/>
+        <p:txBody>
+          <a:bodyPr/>
+          <a:lstStyle/>
+          <a:p>
+            <a:endParaRPr lang="ru-RU"/>
+          </a:p>
+        </p:txBody>
+      </p:sp>
       <p:pic>
         <p:nvPicPr>
-          <p:cNvPr id="12" name="Content Placeholder 11"/>
+          <p:cNvPr id="9218" name="Picture 2"/>
           <p:cNvPicPr>
-            <a:picLocks noGrp="1" noChangeAspect="1"/>
+            <a:picLocks noChangeAspect="1" noChangeArrowheads="1"/>
           </p:cNvPicPr>
-          <p:nvPr>
-            <p:ph idx="1"/>
-          </p:nvPr>
+          <p:nvPr/>
         </p:nvPicPr>
         <p:blipFill>
           <a:blip r:embed="rId2">
@@ -4026,15 +4043,42 @@
               </a:ext>
             </a:extLst>
           </a:blip>
+          <a:srcRect/>
           <a:stretch>
             <a:fillRect/>
           </a:stretch>
         </p:blipFill>
-        <p:spPr>
-          <a:xfrm>
-            <a:off x="4236395" y="594359"/>
-            <a:ext cx="7835628" cy="5876721"/>
-          </a:xfrm>
+        <p:spPr bwMode="auto">
+          <a:xfrm>
+            <a:off x="4191693" y="713769"/>
+            <a:ext cx="7848600" cy="5895975"/>
+          </a:xfrm>
+          <a:prstGeom prst="rect">
+            <a:avLst/>
+          </a:prstGeom>
+          <a:noFill/>
+          <a:ln>
+            <a:noFill/>
+          </a:ln>
+          <a:extLst>
+            <a:ext uri="{909E8E84-426E-40DD-AFC4-6F175D3DCCD1}">
+              <a14:hiddenFill xmlns:a14="http://schemas.microsoft.com/office/drawing/2010/main">
+                <a:solidFill>
+                  <a:schemeClr val="accent1"/>
+                </a:solidFill>
+              </a14:hiddenFill>
+            </a:ext>
+            <a:ext uri="{91240B29-F687-4F45-9708-019B960494DF}">
+              <a14:hiddenLine xmlns:a14="http://schemas.microsoft.com/office/drawing/2010/main" w="9525">
+                <a:solidFill>
+                  <a:schemeClr val="tx1"/>
+                </a:solidFill>
+                <a:miter lim="800000"/>
+                <a:headEnd/>
+                <a:tailEnd/>
+              </a14:hiddenLine>
+            </a:ext>
+          </a:extLst>
         </p:spPr>
       </p:pic>
     </p:spTree>
@@ -4177,15 +4221,32 @@
           </a:p>
         </p:txBody>
       </p:sp>
+      <p:sp>
+        <p:nvSpPr>
+          <p:cNvPr id="3" name="Content Placeholder 2"/>
+          <p:cNvSpPr>
+            <a:spLocks noGrp="1"/>
+          </p:cNvSpPr>
+          <p:nvPr>
+            <p:ph idx="1"/>
+          </p:nvPr>
+        </p:nvSpPr>
+        <p:spPr/>
+        <p:txBody>
+          <a:bodyPr/>
+          <a:lstStyle/>
+          <a:p>
+            <a:endParaRPr lang="ru-RU"/>
+          </a:p>
+        </p:txBody>
+      </p:sp>
       <p:pic>
         <p:nvPicPr>
-          <p:cNvPr id="12" name="Content Placeholder 11"/>
+          <p:cNvPr id="10242" name="Picture 2"/>
           <p:cNvPicPr>
-            <a:picLocks noGrp="1" noChangeAspect="1"/>
+            <a:picLocks noChangeAspect="1" noChangeArrowheads="1"/>
           </p:cNvPicPr>
-          <p:nvPr>
-            <p:ph idx="1"/>
-          </p:nvPr>
+          <p:nvPr/>
         </p:nvPicPr>
         <p:blipFill>
           <a:blip r:embed="rId2">
@@ -4195,15 +4256,42 @@
               </a:ext>
             </a:extLst>
           </a:blip>
+          <a:srcRect/>
           <a:stretch>
             <a:fillRect/>
           </a:stretch>
         </p:blipFill>
-        <p:spPr>
-          <a:xfrm>
-            <a:off x="4236395" y="594359"/>
-            <a:ext cx="7835628" cy="5876721"/>
-          </a:xfrm>
+        <p:spPr bwMode="auto">
+          <a:xfrm>
+            <a:off x="4191693" y="722082"/>
+            <a:ext cx="7848600" cy="5895975"/>
+          </a:xfrm>
+          <a:prstGeom prst="rect">
+            <a:avLst/>
+          </a:prstGeom>
+          <a:noFill/>
+          <a:ln>
+            <a:noFill/>
+          </a:ln>
+          <a:extLst>
+            <a:ext uri="{909E8E84-426E-40DD-AFC4-6F175D3DCCD1}">
+              <a14:hiddenFill xmlns:a14="http://schemas.microsoft.com/office/drawing/2010/main">
+                <a:solidFill>
+                  <a:schemeClr val="accent1"/>
+                </a:solidFill>
+              </a14:hiddenFill>
+            </a:ext>
+            <a:ext uri="{91240B29-F687-4F45-9708-019B960494DF}">
+              <a14:hiddenLine xmlns:a14="http://schemas.microsoft.com/office/drawing/2010/main" w="9525">
+                <a:solidFill>
+                  <a:schemeClr val="tx1"/>
+                </a:solidFill>
+                <a:miter lim="800000"/>
+                <a:headEnd/>
+                <a:tailEnd/>
+              </a14:hiddenLine>
+            </a:ext>
+          </a:extLst>
         </p:spPr>
       </p:pic>
     </p:spTree>
@@ -4448,7 +4536,7 @@
       </p:sp>
       <p:pic>
         <p:nvPicPr>
-          <p:cNvPr id="1027" name="Picture 3"/>
+          <p:cNvPr id="8194" name="Picture 2"/>
           <p:cNvPicPr>
             <a:picLocks noChangeAspect="1" noChangeArrowheads="1"/>
           </p:cNvPicPr>
@@ -4469,8 +4557,8 @@
         </p:blipFill>
         <p:spPr bwMode="auto">
           <a:xfrm>
-            <a:off x="4302356" y="433387"/>
-            <a:ext cx="7677150" cy="5991225"/>
+            <a:off x="4316644" y="738621"/>
+            <a:ext cx="7648575" cy="5962650"/>
           </a:xfrm>
           <a:prstGeom prst="rect">
             <a:avLst/>
@@ -4658,7 +4746,7 @@
       </p:pic>
       <p:pic>
         <p:nvPicPr>
-          <p:cNvPr id="3075" name="Picture 3"/>
+          <p:cNvPr id="15362" name="Picture 2"/>
           <p:cNvPicPr>
             <a:picLocks noChangeAspect="1" noChangeArrowheads="1"/>
           </p:cNvPicPr>
@@ -4679,8 +4767,8 @@
         </p:blipFill>
         <p:spPr bwMode="auto">
           <a:xfrm>
-            <a:off x="9738199" y="1557770"/>
-            <a:ext cx="2286000" cy="2495550"/>
+            <a:off x="9890599" y="1536122"/>
+            <a:ext cx="2133600" cy="876300"/>
           </a:xfrm>
           <a:prstGeom prst="rect">
             <a:avLst/>
@@ -4757,25 +4845,24 @@
             <p:ph type="title"/>
           </p:nvPr>
         </p:nvSpPr>
-        <p:spPr>
-          <a:xfrm>
-            <a:off x="457200" y="594359"/>
-            <a:ext cx="3200400" cy="534225"/>
-          </a:xfrm>
-        </p:spPr>
-        <p:txBody>
-          <a:bodyPr>
-            <a:normAutofit/>
-          </a:bodyPr>
-          <a:lstStyle/>
-          <a:p>
-            <a:r>
-              <a:rPr lang="ru-RU" sz="2800" dirty="0" smtClean="0">
-                <a:latin typeface="Century Gothic" panose="020B0502020202020204" pitchFamily="34" charset="0"/>
-              </a:rPr>
-              <a:t>Аутентификация</a:t>
-            </a:r>
-            <a:endParaRPr lang="uk-UA" sz="2800" dirty="0">
+        <p:spPr/>
+        <p:txBody>
+          <a:bodyPr/>
+          <a:lstStyle/>
+          <a:p>
+            <a:r>
+              <a:rPr lang="ru-RU" dirty="0" smtClean="0">
+                <a:latin typeface="Century Gothic" panose="020B0502020202020204" pitchFamily="34" charset="0"/>
+              </a:rPr>
+              <a:t>Регистрация</a:t>
+            </a:r>
+            <a:r>
+              <a:rPr lang="en-US" dirty="0" smtClean="0">
+                <a:latin typeface="Century Gothic" panose="020B0502020202020204" pitchFamily="34" charset="0"/>
+              </a:rPr>
+              <a:t> (EMAIL)</a:t>
+            </a:r>
+            <a:endParaRPr lang="uk-UA" dirty="0">
               <a:latin typeface="Century Gothic" panose="020B0502020202020204" pitchFamily="34" charset="0"/>
             </a:endParaRPr>
           </a:p>
@@ -4791,33 +4878,75 @@
             <p:ph type="body" sz="half" idx="2"/>
           </p:nvPr>
         </p:nvSpPr>
-        <p:spPr>
-          <a:xfrm>
-            <a:off x="457200" y="1128584"/>
-            <a:ext cx="3200400" cy="5176620"/>
-          </a:xfrm>
-        </p:spPr>
-        <p:txBody>
-          <a:bodyPr>
-            <a:normAutofit/>
-          </a:bodyPr>
+        <p:spPr/>
+        <p:txBody>
+          <a:bodyPr/>
           <a:lstStyle/>
           <a:p>
             <a:r>
               <a:rPr lang="ru-RU" dirty="0" smtClean="0">
-                <a:solidFill>
-                  <a:schemeClr val="bg1"/>
-                </a:solidFill>
-                <a:latin typeface="Century Gothic" panose="020B0502020202020204" pitchFamily="34" charset="0"/>
-              </a:rPr>
-              <a:t>Пользователь переходит на страницу аутентификации из компонента Приветствия</a:t>
-            </a:r>
+                <a:latin typeface="Century Gothic" panose="020B0502020202020204" pitchFamily="34" charset="0"/>
+              </a:rPr>
+              <a:t>Пользователь вводит свой элетронный адрес в </a:t>
+            </a:r>
+            <a:r>
+              <a:rPr lang="ru-RU" dirty="0" smtClean="0">
+                <a:latin typeface="Century Gothic" panose="020B0502020202020204" pitchFamily="34" charset="0"/>
+              </a:rPr>
+              <a:t>поле логина,</a:t>
+            </a:r>
+            <a:r>
+              <a:rPr lang="ru-RU" dirty="0" smtClean="0">
+                <a:latin typeface="Century Gothic" panose="020B0502020202020204" pitchFamily="34" charset="0"/>
+              </a:rPr>
+              <a:t> </a:t>
+            </a:r>
+            <a:r>
+              <a:rPr lang="ru-RU" dirty="0">
+                <a:latin typeface="Century Gothic" panose="020B0502020202020204" pitchFamily="34" charset="0"/>
+              </a:rPr>
+              <a:t>задает себе персональный пароль и нажимает на кнопку «</a:t>
+            </a:r>
+            <a:r>
+              <a:rPr lang="ru-RU" dirty="0" err="1">
+                <a:latin typeface="Century Gothic" panose="020B0502020202020204" pitchFamily="34" charset="0"/>
+              </a:rPr>
+              <a:t>Зареєструватися</a:t>
+            </a:r>
+            <a:r>
+              <a:rPr lang="ru-RU" dirty="0">
+                <a:latin typeface="Century Gothic" panose="020B0502020202020204" pitchFamily="34" charset="0"/>
+              </a:rPr>
+              <a:t>»</a:t>
+            </a:r>
+            <a:endParaRPr lang="uk-UA" dirty="0">
+              <a:latin typeface="Century Gothic" panose="020B0502020202020204" pitchFamily="34" charset="0"/>
+            </a:endParaRPr>
+          </a:p>
+        </p:txBody>
+      </p:sp>
+      <p:sp>
+        <p:nvSpPr>
+          <p:cNvPr id="3" name="Content Placeholder 2"/>
+          <p:cNvSpPr>
+            <a:spLocks noGrp="1"/>
+          </p:cNvSpPr>
+          <p:nvPr>
+            <p:ph idx="1"/>
+          </p:nvPr>
+        </p:nvSpPr>
+        <p:spPr/>
+        <p:txBody>
+          <a:bodyPr/>
+          <a:lstStyle/>
+          <a:p>
+            <a:endParaRPr lang="ru-RU"/>
           </a:p>
         </p:txBody>
       </p:sp>
       <p:pic>
         <p:nvPicPr>
-          <p:cNvPr id="6" name="Picture 2"/>
+          <p:cNvPr id="11269" name="Picture 5"/>
           <p:cNvPicPr>
             <a:picLocks noChangeAspect="1" noChangeArrowheads="1"/>
           </p:cNvPicPr>
@@ -4838,8 +4967,8 @@
         </p:blipFill>
         <p:spPr bwMode="auto">
           <a:xfrm>
-            <a:off x="4251967" y="900949"/>
-            <a:ext cx="7614997" cy="4868238"/>
+            <a:off x="4208318" y="738707"/>
+            <a:ext cx="7848600" cy="5895975"/>
           </a:xfrm>
           <a:prstGeom prst="rect">
             <a:avLst/>
@@ -4869,64 +4998,10 @@
           </a:extLst>
         </p:spPr>
       </p:pic>
-      <p:pic>
-        <p:nvPicPr>
-          <p:cNvPr id="7" name="Picture 4"/>
-          <p:cNvPicPr>
-            <a:picLocks noChangeAspect="1" noChangeArrowheads="1"/>
-          </p:cNvPicPr>
-          <p:nvPr/>
-        </p:nvPicPr>
-        <p:blipFill>
-          <a:blip r:embed="rId3">
-            <a:extLst>
-              <a:ext uri="{28A0092B-C50C-407E-A947-70E740481C1C}">
-                <a14:useLocalDpi xmlns:a14="http://schemas.microsoft.com/office/drawing/2010/main" val="0"/>
-              </a:ext>
-            </a:extLst>
-          </a:blip>
-          <a:srcRect/>
-          <a:stretch>
-            <a:fillRect/>
-          </a:stretch>
-        </p:blipFill>
-        <p:spPr bwMode="auto">
-          <a:xfrm>
-            <a:off x="9761568" y="1778924"/>
-            <a:ext cx="2105396" cy="2893176"/>
-          </a:xfrm>
-          <a:prstGeom prst="rect">
-            <a:avLst/>
-          </a:prstGeom>
-          <a:noFill/>
-          <a:ln>
-            <a:noFill/>
-          </a:ln>
-          <a:extLst>
-            <a:ext uri="{909E8E84-426E-40DD-AFC4-6F175D3DCCD1}">
-              <a14:hiddenFill xmlns:a14="http://schemas.microsoft.com/office/drawing/2010/main">
-                <a:solidFill>
-                  <a:schemeClr val="accent1"/>
-                </a:solidFill>
-              </a14:hiddenFill>
-            </a:ext>
-            <a:ext uri="{91240B29-F687-4F45-9708-019B960494DF}">
-              <a14:hiddenLine xmlns:a14="http://schemas.microsoft.com/office/drawing/2010/main" w="9525">
-                <a:solidFill>
-                  <a:schemeClr val="tx1"/>
-                </a:solidFill>
-                <a:miter lim="800000"/>
-                <a:headEnd/>
-                <a:tailEnd/>
-              </a14:hiddenLine>
-            </a:ext>
-          </a:extLst>
-        </p:spPr>
-      </p:pic>
     </p:spTree>
     <p:extLst>
       <p:ext uri="{BB962C8B-B14F-4D97-AF65-F5344CB8AC3E}">
-        <p14:creationId xmlns:p14="http://schemas.microsoft.com/office/powerpoint/2010/main" val="438727928"/>
+        <p14:creationId xmlns:p14="http://schemas.microsoft.com/office/powerpoint/2010/main" val="963383162"/>
       </p:ext>
     </p:extLst>
   </p:cSld>
@@ -4970,25 +5045,24 @@
             <p:ph type="title"/>
           </p:nvPr>
         </p:nvSpPr>
-        <p:spPr>
-          <a:xfrm>
-            <a:off x="457199" y="594359"/>
-            <a:ext cx="3582785" cy="534225"/>
-          </a:xfrm>
-        </p:spPr>
-        <p:txBody>
-          <a:bodyPr>
-            <a:normAutofit fontScale="90000"/>
-          </a:bodyPr>
-          <a:lstStyle/>
-          <a:p>
-            <a:r>
-              <a:rPr lang="ru-RU" sz="2800" dirty="0" smtClean="0">
-                <a:latin typeface="Century Gothic" panose="020B0502020202020204" pitchFamily="34" charset="0"/>
-              </a:rPr>
-              <a:t>Аутентификация №1</a:t>
-            </a:r>
-            <a:endParaRPr lang="uk-UA" sz="2800" dirty="0">
+        <p:spPr/>
+        <p:txBody>
+          <a:bodyPr/>
+          <a:lstStyle/>
+          <a:p>
+            <a:r>
+              <a:rPr lang="ru-RU" dirty="0">
+                <a:latin typeface="Century Gothic" panose="020B0502020202020204" pitchFamily="34" charset="0"/>
+              </a:rPr>
+              <a:t>Регистрация</a:t>
+            </a:r>
+            <a:r>
+              <a:rPr lang="en-US" dirty="0">
+                <a:latin typeface="Century Gothic" panose="020B0502020202020204" pitchFamily="34" charset="0"/>
+              </a:rPr>
+              <a:t> (EMAIL)</a:t>
+            </a:r>
+            <a:endParaRPr lang="uk-UA" dirty="0">
               <a:latin typeface="Century Gothic" panose="020B0502020202020204" pitchFamily="34" charset="0"/>
             </a:endParaRPr>
           </a:p>
@@ -5004,148 +5078,79 @@
             <p:ph type="body" sz="half" idx="2"/>
           </p:nvPr>
         </p:nvSpPr>
-        <p:spPr>
-          <a:xfrm>
-            <a:off x="457200" y="1128584"/>
-            <a:ext cx="3200400" cy="5176620"/>
-          </a:xfrm>
-        </p:spPr>
-        <p:txBody>
-          <a:bodyPr>
-            <a:normAutofit/>
-          </a:bodyPr>
-          <a:lstStyle/>
-          <a:p>
+        <p:spPr/>
+        <p:txBody>
+          <a:bodyPr/>
+          <a:lstStyle/>
+          <a:p>
+            <a:r>
+              <a:rPr lang="uk-UA" dirty="0" smtClean="0">
+                <a:latin typeface="Century Gothic" panose="020B0502020202020204" pitchFamily="34" charset="0"/>
+              </a:rPr>
+              <a:t>Если пользователь с указанн</a:t>
+            </a:r>
             <a:r>
               <a:rPr lang="ru-RU" dirty="0" smtClean="0">
                 <a:latin typeface="Century Gothic" panose="020B0502020202020204" pitchFamily="34" charset="0"/>
               </a:rPr>
-              <a:t>Если пользователь создавал на странице </a:t>
-            </a:r>
-            <a:r>
-              <a:rPr lang="ru-RU" dirty="0">
-                <a:latin typeface="Century Gothic" panose="020B0502020202020204" pitchFamily="34" charset="0"/>
-              </a:rPr>
-              <a:t>«ПЕРСОНАЛЬНІ ДАНІ</a:t>
+              <a:t>ым </a:t>
+            </a:r>
+            <a:r>
+              <a:rPr lang="en-US" dirty="0" smtClean="0">
+                <a:latin typeface="Century Gothic" panose="020B0502020202020204" pitchFamily="34" charset="0"/>
+              </a:rPr>
+              <a:t>email </a:t>
+            </a:r>
+            <a:r>
+              <a:rPr lang="uk-UA" dirty="0" smtClean="0">
+                <a:latin typeface="Century Gothic" panose="020B0502020202020204" pitchFamily="34" charset="0"/>
+              </a:rPr>
+              <a:t>адресом уже существует в системе, показ</a:t>
             </a:r>
             <a:r>
               <a:rPr lang="ru-RU" dirty="0" smtClean="0">
                 <a:latin typeface="Century Gothic" panose="020B0502020202020204" pitchFamily="34" charset="0"/>
               </a:rPr>
-              <a:t>» персональный пароль, он может использовать свой пароль для входа.</a:t>
-            </a:r>
-          </a:p>
-          <a:p>
-            <a:r>
-              <a:rPr lang="ru-RU" dirty="0" smtClean="0">
-                <a:latin typeface="Century Gothic" panose="020B0502020202020204" pitchFamily="34" charset="0"/>
-              </a:rPr>
-              <a:t>Пользователь </a:t>
-            </a:r>
-            <a:r>
-              <a:rPr lang="ru-RU" dirty="0">
-                <a:latin typeface="Century Gothic" panose="020B0502020202020204" pitchFamily="34" charset="0"/>
-              </a:rPr>
-              <a:t>может нажать на ссылку «Отримати одноразовий пароль</a:t>
-            </a:r>
-            <a:r>
-              <a:rPr lang="ru-RU" dirty="0" smtClean="0">
-                <a:latin typeface="Century Gothic" panose="020B0502020202020204" pitchFamily="34" charset="0"/>
-              </a:rPr>
-              <a:t>» и получить «SMS-повідомлення </a:t>
-            </a:r>
-            <a:r>
-              <a:rPr lang="ru-RU" dirty="0">
-                <a:latin typeface="Century Gothic" panose="020B0502020202020204" pitchFamily="34" charset="0"/>
-              </a:rPr>
-              <a:t>із кодом </a:t>
-            </a:r>
-            <a:r>
-              <a:rPr lang="ru-RU" dirty="0" smtClean="0">
-                <a:latin typeface="Century Gothic" panose="020B0502020202020204" pitchFamily="34" charset="0"/>
-              </a:rPr>
-              <a:t>підтвердження» на указанный номер.</a:t>
-            </a:r>
-          </a:p>
-          <a:p>
-            <a:pPr>
-              <a:spcBef>
-                <a:spcPts val="0"/>
-              </a:spcBef>
-            </a:pPr>
-            <a:r>
-              <a:rPr lang="ru-RU" dirty="0" smtClean="0">
-                <a:latin typeface="Century Gothic" panose="020B0502020202020204" pitchFamily="34" charset="0"/>
-              </a:rPr>
-              <a:t>Поле пароля замещается полем кода подтверждения.</a:t>
-            </a:r>
-          </a:p>
-          <a:p>
-            <a:r>
-              <a:rPr lang="ru-RU" dirty="0" smtClean="0">
-                <a:latin typeface="Century Gothic" panose="020B0502020202020204" pitchFamily="34" charset="0"/>
-              </a:rPr>
-              <a:t>На </a:t>
-            </a:r>
-            <a:r>
-              <a:rPr lang="ru-RU" dirty="0">
-                <a:latin typeface="Century Gothic" panose="020B0502020202020204" pitchFamily="34" charset="0"/>
-              </a:rPr>
-              <a:t>странице «</a:t>
-            </a:r>
-            <a:r>
-              <a:rPr lang="ru-RU" sz="1600" dirty="0">
-                <a:latin typeface="Century Gothic" panose="020B0502020202020204" pitchFamily="34" charset="0"/>
-              </a:rPr>
-              <a:t>Аутентификация</a:t>
-            </a:r>
-            <a:r>
-              <a:rPr lang="ru-RU" dirty="0">
-                <a:latin typeface="Century Gothic" panose="020B0502020202020204" pitchFamily="34" charset="0"/>
-              </a:rPr>
-              <a:t>» пользователь может нажать на ссылку «</a:t>
-            </a:r>
-            <a:r>
-              <a:rPr lang="ru-RU" dirty="0" err="1">
-                <a:latin typeface="Century Gothic" panose="020B0502020202020204" pitchFamily="34" charset="0"/>
-              </a:rPr>
-              <a:t>Ще</a:t>
-            </a:r>
-            <a:r>
-              <a:rPr lang="ru-RU" dirty="0">
-                <a:latin typeface="Century Gothic" panose="020B0502020202020204" pitchFamily="34" charset="0"/>
-              </a:rPr>
-              <a:t> не </a:t>
-            </a:r>
-            <a:r>
-              <a:rPr lang="ru-RU" dirty="0" err="1">
-                <a:latin typeface="Century Gothic" panose="020B0502020202020204" pitchFamily="34" charset="0"/>
-              </a:rPr>
-              <a:t>зареєстровані</a:t>
-            </a:r>
-            <a:r>
-              <a:rPr lang="ru-RU" dirty="0">
-                <a:latin typeface="Century Gothic" panose="020B0502020202020204" pitchFamily="34" charset="0"/>
-              </a:rPr>
-              <a:t>?» после чего будет перенаправлен на страницу «Регистрация»</a:t>
-            </a:r>
-          </a:p>
-          <a:p>
-            <a:endParaRPr lang="ru-RU" dirty="0" smtClean="0">
+              <a:t>ы</a:t>
+            </a:r>
+            <a:r>
+              <a:rPr lang="uk-UA" dirty="0" smtClean="0">
+                <a:latin typeface="Century Gothic" panose="020B0502020202020204" pitchFamily="34" charset="0"/>
+              </a:rPr>
+              <a:t>вается сообщение об ощибке.</a:t>
+            </a:r>
+            <a:endParaRPr lang="uk-UA" dirty="0">
               <a:latin typeface="Century Gothic" panose="020B0502020202020204" pitchFamily="34" charset="0"/>
             </a:endParaRPr>
           </a:p>
         </p:txBody>
       </p:sp>
+      <p:sp>
+        <p:nvSpPr>
+          <p:cNvPr id="3" name="Content Placeholder 2"/>
+          <p:cNvSpPr>
+            <a:spLocks noGrp="1"/>
+          </p:cNvSpPr>
+          <p:nvPr>
+            <p:ph idx="1"/>
+          </p:nvPr>
+        </p:nvSpPr>
+        <p:spPr/>
+        <p:txBody>
+          <a:bodyPr/>
+          <a:lstStyle/>
+          <a:p>
+            <a:endParaRPr lang="ru-RU"/>
+          </a:p>
+        </p:txBody>
+      </p:sp>
       <p:pic>
         <p:nvPicPr>
-          <p:cNvPr id="12" name="Content Placeholder 11"/>
+          <p:cNvPr id="12292" name="Picture 4"/>
           <p:cNvPicPr>
-            <a:picLocks noGrp="1" noChangeAspect="1"/>
+            <a:picLocks noChangeAspect="1" noChangeArrowheads="1"/>
           </p:cNvPicPr>
-          <p:nvPr>
-            <p:ph idx="1"/>
-          </p:nvPr>
+          <p:nvPr/>
         </p:nvPicPr>
         <p:blipFill>
           <a:blip r:embed="rId2">
@@ -5155,21 +5160,48 @@
               </a:ext>
             </a:extLst>
           </a:blip>
+          <a:srcRect/>
           <a:stretch>
             <a:fillRect/>
           </a:stretch>
         </p:blipFill>
-        <p:spPr>
-          <a:xfrm>
-            <a:off x="4236395" y="594359"/>
-            <a:ext cx="7835628" cy="5876721"/>
-          </a:xfrm>
+        <p:spPr bwMode="auto">
+          <a:xfrm>
+            <a:off x="4224944" y="722082"/>
+            <a:ext cx="7848600" cy="5895975"/>
+          </a:xfrm>
+          <a:prstGeom prst="rect">
+            <a:avLst/>
+          </a:prstGeom>
+          <a:noFill/>
+          <a:ln>
+            <a:noFill/>
+          </a:ln>
+          <a:extLst>
+            <a:ext uri="{909E8E84-426E-40DD-AFC4-6F175D3DCCD1}">
+              <a14:hiddenFill xmlns:a14="http://schemas.microsoft.com/office/drawing/2010/main">
+                <a:solidFill>
+                  <a:schemeClr val="accent1"/>
+                </a:solidFill>
+              </a14:hiddenFill>
+            </a:ext>
+            <a:ext uri="{91240B29-F687-4F45-9708-019B960494DF}">
+              <a14:hiddenLine xmlns:a14="http://schemas.microsoft.com/office/drawing/2010/main" w="9525">
+                <a:solidFill>
+                  <a:schemeClr val="tx1"/>
+                </a:solidFill>
+                <a:miter lim="800000"/>
+                <a:headEnd/>
+                <a:tailEnd/>
+              </a14:hiddenLine>
+            </a:ext>
+          </a:extLst>
         </p:spPr>
       </p:pic>
     </p:spTree>
     <p:extLst>
       <p:ext uri="{BB962C8B-B14F-4D97-AF65-F5344CB8AC3E}">
-        <p14:creationId xmlns:p14="http://schemas.microsoft.com/office/powerpoint/2010/main" val="3081479807"/>
+        <p14:creationId xmlns:p14="http://schemas.microsoft.com/office/powerpoint/2010/main" val="2992428375"/>
       </p:ext>
     </p:extLst>
   </p:cSld>
@@ -5213,19 +5245,24 @@
             <p:ph type="title"/>
           </p:nvPr>
         </p:nvSpPr>
-        <p:spPr/>
+        <p:spPr>
+          <a:xfrm>
+            <a:off x="457200" y="594359"/>
+            <a:ext cx="3200400" cy="1028495"/>
+          </a:xfrm>
+        </p:spPr>
         <p:txBody>
           <a:bodyPr/>
           <a:lstStyle/>
           <a:p>
             <a:r>
-              <a:rPr lang="ru-RU" dirty="0" smtClean="0">
+              <a:rPr lang="ru-RU" dirty="0">
                 <a:latin typeface="Century Gothic" panose="020B0502020202020204" pitchFamily="34" charset="0"/>
               </a:rPr>
               <a:t>Регистрация</a:t>
             </a:r>
             <a:r>
-              <a:rPr lang="en-US" dirty="0" smtClean="0">
+              <a:rPr lang="en-US" dirty="0">
                 <a:latin typeface="Century Gothic" panose="020B0502020202020204" pitchFamily="34" charset="0"/>
               </a:rPr>
               <a:t> (EMAIL)</a:t>
@@ -5246,32 +5283,111 @@
             <p:ph type="body" sz="half" idx="2"/>
           </p:nvPr>
         </p:nvSpPr>
-        <p:spPr/>
-        <p:txBody>
-          <a:bodyPr/>
+        <p:spPr>
+          <a:xfrm>
+            <a:off x="457200" y="1622855"/>
+            <a:ext cx="3200400" cy="4682350"/>
+          </a:xfrm>
+        </p:spPr>
+        <p:txBody>
+          <a:bodyPr>
+            <a:normAutofit lnSpcReduction="10000"/>
+          </a:bodyPr>
           <a:lstStyle/>
           <a:p>
             <a:r>
               <a:rPr lang="ru-RU" dirty="0" smtClean="0">
                 <a:latin typeface="Century Gothic" panose="020B0502020202020204" pitchFamily="34" charset="0"/>
               </a:rPr>
-              <a:t>Пользователь вводит свой элетронный адрес в поля логина и нажимает на кнопку «Наступний крок»</a:t>
-            </a:r>
-            <a:endParaRPr lang="uk-UA" dirty="0">
+              <a:t>Пользователь с указанный </a:t>
+            </a:r>
+            <a:r>
+              <a:rPr lang="en-US" dirty="0" smtClean="0">
+                <a:latin typeface="Century Gothic" panose="020B0502020202020204" pitchFamily="34" charset="0"/>
+              </a:rPr>
+              <a:t>email </a:t>
+            </a:r>
+            <a:r>
+              <a:rPr lang="uk-UA" dirty="0" smtClean="0">
+                <a:latin typeface="Century Gothic" panose="020B0502020202020204" pitchFamily="34" charset="0"/>
+              </a:rPr>
+              <a:t>зарегистрирован в системе. </a:t>
+            </a:r>
+            <a:r>
+              <a:rPr lang="ru-RU" dirty="0" smtClean="0">
+                <a:latin typeface="Century Gothic" panose="020B0502020202020204" pitchFamily="34" charset="0"/>
+              </a:rPr>
+              <a:t>Ему выслано письмо с инструкциями по активации учетной записи.</a:t>
+            </a:r>
+          </a:p>
+          <a:p>
+            <a:r>
+              <a:rPr lang="ru-RU" dirty="0">
+                <a:latin typeface="Century Gothic" panose="020B0502020202020204" pitchFamily="34" charset="0"/>
+              </a:rPr>
+              <a:t>На данном этапе пользователь имеет возможность дополнительно заполнить персональные </a:t>
+            </a:r>
+            <a:r>
+              <a:rPr lang="ru-RU" dirty="0" smtClean="0">
+                <a:latin typeface="Century Gothic" panose="020B0502020202020204" pitchFamily="34" charset="0"/>
+              </a:rPr>
+              <a:t>данные.</a:t>
+            </a:r>
+          </a:p>
+          <a:p>
+            <a:r>
+              <a:rPr lang="ru-RU" dirty="0">
+                <a:latin typeface="Century Gothic" panose="020B0502020202020204" pitchFamily="34" charset="0"/>
+              </a:rPr>
+              <a:t>Если пользователь не хочет заполнять «Персональные данные» он может нажать на ссылку «Пропустити цей крок» после чего он будет перенаправлен на страницу «Аутентификация»</a:t>
+            </a:r>
+          </a:p>
+          <a:p>
+            <a:r>
+              <a:rPr lang="ru-RU" dirty="0">
+                <a:latin typeface="Century Gothic" panose="020B0502020202020204" pitchFamily="34" charset="0"/>
+              </a:rPr>
+              <a:t>После нажатия на кнопку «ЗБЕРЕГТИ» данные будут сохранены и пользователь будет перенаправлен на страницу «Аутентификация»</a:t>
+            </a:r>
+          </a:p>
+          <a:p>
+            <a:endParaRPr lang="ru-RU" dirty="0">
               <a:latin typeface="Century Gothic" panose="020B0502020202020204" pitchFamily="34" charset="0"/>
             </a:endParaRPr>
           </a:p>
+          <a:p>
+            <a:endParaRPr lang="ru-RU" dirty="0" smtClean="0">
+              <a:latin typeface="Century Gothic" panose="020B0502020202020204" pitchFamily="34" charset="0"/>
+            </a:endParaRPr>
+          </a:p>
+        </p:txBody>
+      </p:sp>
+      <p:sp>
+        <p:nvSpPr>
+          <p:cNvPr id="3" name="Content Placeholder 2"/>
+          <p:cNvSpPr>
+            <a:spLocks noGrp="1"/>
+          </p:cNvSpPr>
+          <p:nvPr>
+            <p:ph idx="1"/>
+          </p:nvPr>
+        </p:nvSpPr>
+        <p:spPr/>
+        <p:txBody>
+          <a:bodyPr/>
+          <a:lstStyle/>
+          <a:p>
+            <a:endParaRPr lang="ru-RU"/>
+          </a:p>
         </p:txBody>
       </p:sp>
       <p:pic>
         <p:nvPicPr>
-          <p:cNvPr id="9" name="Content Placeholder 8"/>
+          <p:cNvPr id="13314" name="Picture 2"/>
           <p:cNvPicPr>
-            <a:picLocks noGrp="1" noChangeAspect="1"/>
+            <a:picLocks noChangeAspect="1" noChangeArrowheads="1"/>
           </p:cNvPicPr>
-          <p:nvPr>
-            <p:ph idx="1"/>
-          </p:nvPr>
+          <p:nvPr/>
         </p:nvPicPr>
         <p:blipFill>
           <a:blip r:embed="rId2">
@@ -5281,21 +5397,48 @@
               </a:ext>
             </a:extLst>
           </a:blip>
+          <a:srcRect/>
           <a:stretch>
             <a:fillRect/>
           </a:stretch>
         </p:blipFill>
-        <p:spPr>
-          <a:xfrm>
-            <a:off x="4233672" y="594360"/>
-            <a:ext cx="7836408" cy="5877306"/>
-          </a:xfrm>
+        <p:spPr bwMode="auto">
+          <a:xfrm>
+            <a:off x="4195243" y="730395"/>
+            <a:ext cx="7858125" cy="5895975"/>
+          </a:xfrm>
+          <a:prstGeom prst="rect">
+            <a:avLst/>
+          </a:prstGeom>
+          <a:noFill/>
+          <a:ln>
+            <a:noFill/>
+          </a:ln>
+          <a:extLst>
+            <a:ext uri="{909E8E84-426E-40DD-AFC4-6F175D3DCCD1}">
+              <a14:hiddenFill xmlns:a14="http://schemas.microsoft.com/office/drawing/2010/main">
+                <a:solidFill>
+                  <a:schemeClr val="accent1"/>
+                </a:solidFill>
+              </a14:hiddenFill>
+            </a:ext>
+            <a:ext uri="{91240B29-F687-4F45-9708-019B960494DF}">
+              <a14:hiddenLine xmlns:a14="http://schemas.microsoft.com/office/drawing/2010/main" w="9525">
+                <a:solidFill>
+                  <a:schemeClr val="tx1"/>
+                </a:solidFill>
+                <a:miter lim="800000"/>
+                <a:headEnd/>
+                <a:tailEnd/>
+              </a14:hiddenLine>
+            </a:ext>
+          </a:extLst>
         </p:spPr>
       </p:pic>
     </p:spTree>
     <p:extLst>
       <p:ext uri="{BB962C8B-B14F-4D97-AF65-F5344CB8AC3E}">
-        <p14:creationId xmlns:p14="http://schemas.microsoft.com/office/powerpoint/2010/main" val="963383162"/>
+        <p14:creationId xmlns:p14="http://schemas.microsoft.com/office/powerpoint/2010/main" val="3126389972"/>
       </p:ext>
     </p:extLst>
   </p:cSld>
@@ -5339,22 +5482,23 @@
             <p:ph type="title"/>
           </p:nvPr>
         </p:nvSpPr>
-        <p:spPr/>
-        <p:txBody>
-          <a:bodyPr/>
-          <a:lstStyle/>
-          <a:p>
-            <a:r>
-              <a:rPr lang="ru-RU" dirty="0">
-                <a:latin typeface="Century Gothic" panose="020B0502020202020204" pitchFamily="34" charset="0"/>
-              </a:rPr>
-              <a:t>Регистрация</a:t>
-            </a:r>
-            <a:r>
-              <a:rPr lang="en-US" dirty="0">
-                <a:latin typeface="Century Gothic" panose="020B0502020202020204" pitchFamily="34" charset="0"/>
-              </a:rPr>
-              <a:t> (EMAIL)</a:t>
+        <p:spPr>
+          <a:xfrm>
+            <a:off x="0" y="594359"/>
+            <a:ext cx="4203911" cy="1028495"/>
+          </a:xfrm>
+        </p:spPr>
+        <p:txBody>
+          <a:bodyPr>
+            <a:normAutofit fontScale="90000"/>
+          </a:bodyPr>
+          <a:lstStyle/>
+          <a:p>
+            <a:r>
+              <a:rPr lang="ru-RU" dirty="0" smtClean="0">
+                <a:latin typeface="Century Gothic" panose="020B0502020202020204" pitchFamily="34" charset="0"/>
+              </a:rPr>
+              <a:t>Пользователь Аутентифицирован</a:t>
             </a:r>
             <a:endParaRPr lang="uk-UA" dirty="0">
               <a:latin typeface="Century Gothic" panose="020B0502020202020204" pitchFamily="34" charset="0"/>
@@ -5372,438 +5516,30 @@
             <p:ph type="body" sz="half" idx="2"/>
           </p:nvPr>
         </p:nvSpPr>
-        <p:spPr/>
-        <p:txBody>
-          <a:bodyPr/>
-          <a:lstStyle/>
-          <a:p>
-            <a:r>
-              <a:rPr lang="uk-UA" dirty="0" smtClean="0">
-                <a:latin typeface="Century Gothic" panose="020B0502020202020204" pitchFamily="34" charset="0"/>
-              </a:rPr>
-              <a:t>Если пользователь с указанн</a:t>
-            </a:r>
+        <p:spPr>
+          <a:xfrm>
+            <a:off x="282633" y="1712422"/>
+            <a:ext cx="3374967" cy="4592782"/>
+          </a:xfrm>
+        </p:spPr>
+        <p:txBody>
+          <a:bodyPr>
+            <a:normAutofit/>
+          </a:bodyPr>
+          <a:lstStyle/>
+          <a:p>
             <a:r>
               <a:rPr lang="ru-RU" dirty="0" smtClean="0">
                 <a:latin typeface="Century Gothic" panose="020B0502020202020204" pitchFamily="34" charset="0"/>
               </a:rPr>
-              <a:t>ым </a:t>
-            </a:r>
-            <a:r>
-              <a:rPr lang="en-US" dirty="0" smtClean="0">
-                <a:latin typeface="Century Gothic" panose="020B0502020202020204" pitchFamily="34" charset="0"/>
-              </a:rPr>
-              <a:t>email </a:t>
-            </a:r>
-            <a:r>
-              <a:rPr lang="uk-UA" dirty="0" smtClean="0">
-                <a:latin typeface="Century Gothic" panose="020B0502020202020204" pitchFamily="34" charset="0"/>
-              </a:rPr>
-              <a:t>адресом уже существует в системе, показ</a:t>
-            </a:r>
-            <a:r>
-              <a:rPr lang="ru-RU" dirty="0" smtClean="0">
-                <a:latin typeface="Century Gothic" panose="020B0502020202020204" pitchFamily="34" charset="0"/>
-              </a:rPr>
-              <a:t>ы</a:t>
-            </a:r>
-            <a:r>
-              <a:rPr lang="uk-UA" dirty="0" smtClean="0">
-                <a:latin typeface="Century Gothic" panose="020B0502020202020204" pitchFamily="34" charset="0"/>
-              </a:rPr>
-              <a:t>вается сообщение об ощибке.</a:t>
-            </a:r>
-            <a:endParaRPr lang="uk-UA" dirty="0">
-              <a:latin typeface="Century Gothic" panose="020B0502020202020204" pitchFamily="34" charset="0"/>
-            </a:endParaRPr>
+              <a:t>Главная страница Портала после регистрации пользователя</a:t>
+            </a:r>
           </a:p>
         </p:txBody>
       </p:sp>
       <p:pic>
         <p:nvPicPr>
-          <p:cNvPr id="9" name="Content Placeholder 8"/>
-          <p:cNvPicPr>
-            <a:picLocks noGrp="1" noChangeAspect="1"/>
-          </p:cNvPicPr>
-          <p:nvPr>
-            <p:ph idx="1"/>
-          </p:nvPr>
-        </p:nvPicPr>
-        <p:blipFill>
-          <a:blip r:embed="rId2">
-            <a:extLst>
-              <a:ext uri="{28A0092B-C50C-407E-A947-70E740481C1C}">
-                <a14:useLocalDpi xmlns:a14="http://schemas.microsoft.com/office/drawing/2010/main" val="0"/>
-              </a:ext>
-            </a:extLst>
-          </a:blip>
-          <a:stretch>
-            <a:fillRect/>
-          </a:stretch>
-        </p:blipFill>
-        <p:spPr>
-          <a:xfrm>
-            <a:off x="4233672" y="594360"/>
-            <a:ext cx="7836408" cy="5877306"/>
-          </a:xfrm>
-        </p:spPr>
-      </p:pic>
-    </p:spTree>
-    <p:extLst>
-      <p:ext uri="{BB962C8B-B14F-4D97-AF65-F5344CB8AC3E}">
-        <p14:creationId xmlns:p14="http://schemas.microsoft.com/office/powerpoint/2010/main" val="2992428375"/>
-      </p:ext>
-    </p:extLst>
-  </p:cSld>
-  <p:clrMapOvr>
-    <a:masterClrMapping/>
-  </p:clrMapOvr>
-  <p:timing>
-    <p:tnLst>
-      <p:par>
-        <p:cTn id="1" dur="indefinite" restart="never" nodeType="tmRoot"/>
-      </p:par>
-    </p:tnLst>
-  </p:timing>
-</p:sld>
-</file>
-
-<file path=ppt/slides/slide18.xml><?xml version="1.0" encoding="utf-8"?>
-<p:sld xmlns:a="http://schemas.openxmlformats.org/drawingml/2006/main" xmlns:r="http://schemas.openxmlformats.org/officeDocument/2006/relationships" xmlns:p="http://schemas.openxmlformats.org/presentationml/2006/main">
-  <p:cSld>
-    <p:spTree>
-      <p:nvGrpSpPr>
-        <p:cNvPr id="1" name=""/>
-        <p:cNvGrpSpPr/>
-        <p:nvPr/>
-      </p:nvGrpSpPr>
-      <p:grpSpPr>
-        <a:xfrm>
-          <a:off x="0" y="0"/>
-          <a:ext cx="0" cy="0"/>
-          <a:chOff x="0" y="0"/>
-          <a:chExt cx="0" cy="0"/>
-        </a:xfrm>
-      </p:grpSpPr>
-      <p:sp>
-        <p:nvSpPr>
-          <p:cNvPr id="2" name="Title 1"/>
-          <p:cNvSpPr>
-            <a:spLocks noGrp="1"/>
-          </p:cNvSpPr>
-          <p:nvPr>
-            <p:ph type="title"/>
-          </p:nvPr>
-        </p:nvSpPr>
-        <p:spPr>
-          <a:xfrm>
-            <a:off x="457200" y="594359"/>
-            <a:ext cx="3200400" cy="1003782"/>
-          </a:xfrm>
-        </p:spPr>
-        <p:txBody>
-          <a:bodyPr>
-            <a:normAutofit fontScale="90000"/>
-          </a:bodyPr>
-          <a:lstStyle/>
-          <a:p>
-            <a:r>
-              <a:rPr lang="ru-RU" dirty="0">
-                <a:latin typeface="Century Gothic" panose="020B0502020202020204" pitchFamily="34" charset="0"/>
-              </a:rPr>
-              <a:t>Регистрация</a:t>
-            </a:r>
-            <a:r>
-              <a:rPr lang="en-US" dirty="0">
-                <a:latin typeface="Century Gothic" panose="020B0502020202020204" pitchFamily="34" charset="0"/>
-              </a:rPr>
-              <a:t> (EMAIL)</a:t>
-            </a:r>
-            <a:endParaRPr lang="uk-UA" dirty="0">
-              <a:latin typeface="Century Gothic" panose="020B0502020202020204" pitchFamily="34" charset="0"/>
-            </a:endParaRPr>
-          </a:p>
-        </p:txBody>
-      </p:sp>
-      <p:sp>
-        <p:nvSpPr>
-          <p:cNvPr id="4" name="Text Placeholder 3"/>
-          <p:cNvSpPr>
-            <a:spLocks noGrp="1"/>
-          </p:cNvSpPr>
-          <p:nvPr>
-            <p:ph type="body" sz="half" idx="2"/>
-          </p:nvPr>
-        </p:nvSpPr>
-        <p:spPr>
-          <a:xfrm>
-            <a:off x="457200" y="1729946"/>
-            <a:ext cx="3200400" cy="4575258"/>
-          </a:xfrm>
-        </p:spPr>
-        <p:txBody>
-          <a:bodyPr/>
-          <a:lstStyle/>
-          <a:p>
-            <a:r>
-              <a:rPr lang="ru-RU" dirty="0" smtClean="0">
-                <a:latin typeface="Century Gothic" panose="020B0502020202020204" pitchFamily="34" charset="0"/>
-              </a:rPr>
-              <a:t>Пользователь с указанный </a:t>
-            </a:r>
-            <a:r>
-              <a:rPr lang="en-US" dirty="0" smtClean="0">
-                <a:latin typeface="Century Gothic" panose="020B0502020202020204" pitchFamily="34" charset="0"/>
-              </a:rPr>
-              <a:t>email </a:t>
-            </a:r>
-            <a:r>
-              <a:rPr lang="uk-UA" dirty="0" smtClean="0">
-                <a:latin typeface="Century Gothic" panose="020B0502020202020204" pitchFamily="34" charset="0"/>
-              </a:rPr>
-              <a:t>не зарегистрирован в системе. Поле «Логин» становится недоступн</a:t>
-            </a:r>
-            <a:r>
-              <a:rPr lang="ru-RU" dirty="0" smtClean="0">
-                <a:latin typeface="Century Gothic" panose="020B0502020202020204" pitchFamily="34" charset="0"/>
-              </a:rPr>
-              <a:t>ым для изменения.</a:t>
-            </a:r>
-          </a:p>
-          <a:p>
-            <a:r>
-              <a:rPr lang="ru-RU" dirty="0" smtClean="0">
-                <a:latin typeface="Century Gothic" panose="020B0502020202020204" pitchFamily="34" charset="0"/>
-              </a:rPr>
-              <a:t>Пользователь задает себе </a:t>
-            </a:r>
-            <a:r>
-              <a:rPr lang="ru-RU" dirty="0">
-                <a:latin typeface="Century Gothic" panose="020B0502020202020204" pitchFamily="34" charset="0"/>
-              </a:rPr>
-              <a:t>персональный пароль и нажимает на кнопку «Зареєструватися»</a:t>
-            </a:r>
-            <a:endParaRPr lang="uk-UA" dirty="0">
-              <a:latin typeface="Century Gothic" panose="020B0502020202020204" pitchFamily="34" charset="0"/>
-            </a:endParaRPr>
-          </a:p>
-        </p:txBody>
-      </p:sp>
-      <p:pic>
-        <p:nvPicPr>
-          <p:cNvPr id="9" name="Content Placeholder 8"/>
-          <p:cNvPicPr>
-            <a:picLocks noGrp="1" noChangeAspect="1"/>
-          </p:cNvPicPr>
-          <p:nvPr>
-            <p:ph idx="1"/>
-          </p:nvPr>
-        </p:nvPicPr>
-        <p:blipFill>
-          <a:blip r:embed="rId2">
-            <a:extLst>
-              <a:ext uri="{28A0092B-C50C-407E-A947-70E740481C1C}">
-                <a14:useLocalDpi xmlns:a14="http://schemas.microsoft.com/office/drawing/2010/main" val="0"/>
-              </a:ext>
-            </a:extLst>
-          </a:blip>
-          <a:stretch>
-            <a:fillRect/>
-          </a:stretch>
-        </p:blipFill>
-        <p:spPr>
-          <a:xfrm>
-            <a:off x="4233672" y="594360"/>
-            <a:ext cx="7836408" cy="5877306"/>
-          </a:xfrm>
-        </p:spPr>
-      </p:pic>
-    </p:spTree>
-    <p:extLst>
-      <p:ext uri="{BB962C8B-B14F-4D97-AF65-F5344CB8AC3E}">
-        <p14:creationId xmlns:p14="http://schemas.microsoft.com/office/powerpoint/2010/main" val="530207332"/>
-      </p:ext>
-    </p:extLst>
-  </p:cSld>
-  <p:clrMapOvr>
-    <a:masterClrMapping/>
-  </p:clrMapOvr>
-  <p:timing>
-    <p:tnLst>
-      <p:par>
-        <p:cTn id="1" dur="indefinite" restart="never" nodeType="tmRoot"/>
-      </p:par>
-    </p:tnLst>
-  </p:timing>
-</p:sld>
-</file>
-
-<file path=ppt/slides/slide19.xml><?xml version="1.0" encoding="utf-8"?>
-<p:sld xmlns:a="http://schemas.openxmlformats.org/drawingml/2006/main" xmlns:r="http://schemas.openxmlformats.org/officeDocument/2006/relationships" xmlns:p="http://schemas.openxmlformats.org/presentationml/2006/main">
-  <p:cSld>
-    <p:spTree>
-      <p:nvGrpSpPr>
-        <p:cNvPr id="1" name=""/>
-        <p:cNvGrpSpPr/>
-        <p:nvPr/>
-      </p:nvGrpSpPr>
-      <p:grpSpPr>
-        <a:xfrm>
-          <a:off x="0" y="0"/>
-          <a:ext cx="0" cy="0"/>
-          <a:chOff x="0" y="0"/>
-          <a:chExt cx="0" cy="0"/>
-        </a:xfrm>
-      </p:grpSpPr>
-      <p:sp>
-        <p:nvSpPr>
-          <p:cNvPr id="2" name="Title 1"/>
-          <p:cNvSpPr>
-            <a:spLocks noGrp="1"/>
-          </p:cNvSpPr>
-          <p:nvPr>
-            <p:ph type="title"/>
-          </p:nvPr>
-        </p:nvSpPr>
-        <p:spPr>
-          <a:xfrm>
-            <a:off x="457200" y="594359"/>
-            <a:ext cx="3200400" cy="1028495"/>
-          </a:xfrm>
-        </p:spPr>
-        <p:txBody>
-          <a:bodyPr/>
-          <a:lstStyle/>
-          <a:p>
-            <a:r>
-              <a:rPr lang="ru-RU" dirty="0">
-                <a:latin typeface="Century Gothic" panose="020B0502020202020204" pitchFamily="34" charset="0"/>
-              </a:rPr>
-              <a:t>Регистрация</a:t>
-            </a:r>
-            <a:r>
-              <a:rPr lang="en-US" dirty="0">
-                <a:latin typeface="Century Gothic" panose="020B0502020202020204" pitchFamily="34" charset="0"/>
-              </a:rPr>
-              <a:t> (EMAIL)</a:t>
-            </a:r>
-            <a:endParaRPr lang="uk-UA" dirty="0">
-              <a:latin typeface="Century Gothic" panose="020B0502020202020204" pitchFamily="34" charset="0"/>
-            </a:endParaRPr>
-          </a:p>
-        </p:txBody>
-      </p:sp>
-      <p:sp>
-        <p:nvSpPr>
-          <p:cNvPr id="4" name="Text Placeholder 3"/>
-          <p:cNvSpPr>
-            <a:spLocks noGrp="1"/>
-          </p:cNvSpPr>
-          <p:nvPr>
-            <p:ph type="body" sz="half" idx="2"/>
-          </p:nvPr>
-        </p:nvSpPr>
-        <p:spPr>
-          <a:xfrm>
-            <a:off x="457200" y="1622855"/>
-            <a:ext cx="3200400" cy="4682350"/>
-          </a:xfrm>
-        </p:spPr>
-        <p:txBody>
-          <a:bodyPr>
-            <a:normAutofit lnSpcReduction="10000"/>
-          </a:bodyPr>
-          <a:lstStyle/>
-          <a:p>
-            <a:r>
-              <a:rPr lang="ru-RU" dirty="0" smtClean="0">
-                <a:latin typeface="Century Gothic" panose="020B0502020202020204" pitchFamily="34" charset="0"/>
-              </a:rPr>
-              <a:t>Пользователь с указанный </a:t>
-            </a:r>
-            <a:r>
-              <a:rPr lang="en-US" dirty="0" smtClean="0">
-                <a:latin typeface="Century Gothic" panose="020B0502020202020204" pitchFamily="34" charset="0"/>
-              </a:rPr>
-              <a:t>email </a:t>
-            </a:r>
-            <a:r>
-              <a:rPr lang="uk-UA" dirty="0" smtClean="0">
-                <a:latin typeface="Century Gothic" panose="020B0502020202020204" pitchFamily="34" charset="0"/>
-              </a:rPr>
-              <a:t>зарегистрирован в системе. </a:t>
-            </a:r>
-            <a:r>
-              <a:rPr lang="ru-RU" dirty="0" smtClean="0">
-                <a:latin typeface="Century Gothic" panose="020B0502020202020204" pitchFamily="34" charset="0"/>
-              </a:rPr>
-              <a:t>Ему выслано письмо с инструкциями по активации учетной записи.</a:t>
-            </a:r>
-          </a:p>
-          <a:p>
-            <a:r>
-              <a:rPr lang="ru-RU" dirty="0">
-                <a:latin typeface="Century Gothic" panose="020B0502020202020204" pitchFamily="34" charset="0"/>
-              </a:rPr>
-              <a:t>На данном этапе пользователь имеет возможность дополнительно заполнить персональные </a:t>
-            </a:r>
-            <a:r>
-              <a:rPr lang="ru-RU" dirty="0" smtClean="0">
-                <a:latin typeface="Century Gothic" panose="020B0502020202020204" pitchFamily="34" charset="0"/>
-              </a:rPr>
-              <a:t>данные.</a:t>
-            </a:r>
-          </a:p>
-          <a:p>
-            <a:r>
-              <a:rPr lang="ru-RU" dirty="0">
-                <a:latin typeface="Century Gothic" panose="020B0502020202020204" pitchFamily="34" charset="0"/>
-              </a:rPr>
-              <a:t>Если пользователь не хочет заполнять «Персональные данные» он может нажать на ссылку «Пропустити цей крок» после чего он будет перенаправлен на страницу «Аутентификация»</a:t>
-            </a:r>
-          </a:p>
-          <a:p>
-            <a:r>
-              <a:rPr lang="ru-RU" dirty="0">
-                <a:latin typeface="Century Gothic" panose="020B0502020202020204" pitchFamily="34" charset="0"/>
-              </a:rPr>
-              <a:t>После нажатия на кнопку «ЗБЕРЕГТИ» данные будут сохранены и пользователь будет перенаправлен на страницу «Аутентификация»</a:t>
-            </a:r>
-          </a:p>
-          <a:p>
-            <a:endParaRPr lang="ru-RU" dirty="0">
-              <a:latin typeface="Century Gothic" panose="020B0502020202020204" pitchFamily="34" charset="0"/>
-            </a:endParaRPr>
-          </a:p>
-          <a:p>
-            <a:endParaRPr lang="ru-RU" dirty="0" smtClean="0">
-              <a:latin typeface="Century Gothic" panose="020B0502020202020204" pitchFamily="34" charset="0"/>
-            </a:endParaRPr>
-          </a:p>
-        </p:txBody>
-      </p:sp>
-      <p:sp>
-        <p:nvSpPr>
-          <p:cNvPr id="3" name="Content Placeholder 2"/>
-          <p:cNvSpPr>
-            <a:spLocks noGrp="1"/>
-          </p:cNvSpPr>
-          <p:nvPr>
-            <p:ph idx="1"/>
-          </p:nvPr>
-        </p:nvSpPr>
-        <p:spPr/>
-        <p:txBody>
-          <a:bodyPr/>
-          <a:lstStyle/>
-          <a:p>
-            <a:endParaRPr lang="ru-RU"/>
-          </a:p>
-        </p:txBody>
-      </p:sp>
-      <p:pic>
-        <p:nvPicPr>
-          <p:cNvPr id="9218" name="Picture 2"/>
+          <p:cNvPr id="3074" name="Picture 2"/>
           <p:cNvPicPr>
             <a:picLocks noChangeAspect="1" noChangeArrowheads="1"/>
           </p:cNvPicPr>
@@ -5824,8 +5560,8 @@
         </p:blipFill>
         <p:spPr bwMode="auto">
           <a:xfrm>
-            <a:off x="4209184" y="712816"/>
-            <a:ext cx="7858125" cy="5715000"/>
+            <a:off x="4203911" y="681643"/>
+            <a:ext cx="7820288" cy="4979324"/>
           </a:xfrm>
           <a:prstGeom prst="rect">
             <a:avLst/>
@@ -5855,10 +5591,64 @@
           </a:extLst>
         </p:spPr>
       </p:pic>
+      <p:pic>
+        <p:nvPicPr>
+          <p:cNvPr id="16386" name="Picture 2"/>
+          <p:cNvPicPr>
+            <a:picLocks noChangeAspect="1" noChangeArrowheads="1"/>
+          </p:cNvPicPr>
+          <p:nvPr/>
+        </p:nvPicPr>
+        <p:blipFill>
+          <a:blip r:embed="rId3">
+            <a:extLst>
+              <a:ext uri="{28A0092B-C50C-407E-A947-70E740481C1C}">
+                <a14:useLocalDpi xmlns:a14="http://schemas.microsoft.com/office/drawing/2010/main" val="0"/>
+              </a:ext>
+            </a:extLst>
+          </a:blip>
+          <a:srcRect/>
+          <a:stretch>
+            <a:fillRect/>
+          </a:stretch>
+        </p:blipFill>
+        <p:spPr bwMode="auto">
+          <a:xfrm>
+            <a:off x="9890599" y="1544435"/>
+            <a:ext cx="2133600" cy="876300"/>
+          </a:xfrm>
+          <a:prstGeom prst="rect">
+            <a:avLst/>
+          </a:prstGeom>
+          <a:noFill/>
+          <a:ln>
+            <a:noFill/>
+          </a:ln>
+          <a:extLst>
+            <a:ext uri="{909E8E84-426E-40DD-AFC4-6F175D3DCCD1}">
+              <a14:hiddenFill xmlns:a14="http://schemas.microsoft.com/office/drawing/2010/main">
+                <a:solidFill>
+                  <a:schemeClr val="accent1"/>
+                </a:solidFill>
+              </a14:hiddenFill>
+            </a:ext>
+            <a:ext uri="{91240B29-F687-4F45-9708-019B960494DF}">
+              <a14:hiddenLine xmlns:a14="http://schemas.microsoft.com/office/drawing/2010/main" w="9525">
+                <a:solidFill>
+                  <a:schemeClr val="tx1"/>
+                </a:solidFill>
+                <a:miter lim="800000"/>
+                <a:headEnd/>
+                <a:tailEnd/>
+              </a14:hiddenLine>
+            </a:ext>
+          </a:extLst>
+        </p:spPr>
+      </p:pic>
     </p:spTree>
     <p:extLst>
       <p:ext uri="{BB962C8B-B14F-4D97-AF65-F5344CB8AC3E}">
-        <p14:creationId xmlns:p14="http://schemas.microsoft.com/office/powerpoint/2010/main" val="3126389972"/>
+        <p14:creationId xmlns:p14="http://schemas.microsoft.com/office/powerpoint/2010/main" val="4197120647"/>
       </p:ext>
     </p:extLst>
   </p:cSld>
@@ -6036,7 +5826,7 @@
       </p:pic>
       <p:pic>
         <p:nvPicPr>
-          <p:cNvPr id="2052" name="Picture 4"/>
+          <p:cNvPr id="14339" name="Picture 3"/>
           <p:cNvPicPr>
             <a:picLocks noChangeAspect="1" noChangeArrowheads="1"/>
           </p:cNvPicPr>
@@ -6057,8 +5847,8 @@
         </p:blipFill>
         <p:spPr bwMode="auto">
           <a:xfrm>
-            <a:off x="9761568" y="1778924"/>
-            <a:ext cx="2105396" cy="2893176"/>
+            <a:off x="9700867" y="1764464"/>
+            <a:ext cx="2200275" cy="1533525"/>
           </a:xfrm>
           <a:prstGeom prst="rect">
             <a:avLst/>
@@ -6092,216 +5882,6 @@
     <p:extLst>
       <p:ext uri="{BB962C8B-B14F-4D97-AF65-F5344CB8AC3E}">
         <p14:creationId xmlns:p14="http://schemas.microsoft.com/office/powerpoint/2010/main" val="918777632"/>
-      </p:ext>
-    </p:extLst>
-  </p:cSld>
-  <p:clrMapOvr>
-    <a:masterClrMapping/>
-  </p:clrMapOvr>
-  <p:timing>
-    <p:tnLst>
-      <p:par>
-        <p:cTn id="1" dur="indefinite" restart="never" nodeType="tmRoot"/>
-      </p:par>
-    </p:tnLst>
-  </p:timing>
-</p:sld>
-</file>
-
-<file path=ppt/slides/slide20.xml><?xml version="1.0" encoding="utf-8"?>
-<p:sld xmlns:a="http://schemas.openxmlformats.org/drawingml/2006/main" xmlns:r="http://schemas.openxmlformats.org/officeDocument/2006/relationships" xmlns:p="http://schemas.openxmlformats.org/presentationml/2006/main">
-  <p:cSld>
-    <p:spTree>
-      <p:nvGrpSpPr>
-        <p:cNvPr id="1" name=""/>
-        <p:cNvGrpSpPr/>
-        <p:nvPr/>
-      </p:nvGrpSpPr>
-      <p:grpSpPr>
-        <a:xfrm>
-          <a:off x="0" y="0"/>
-          <a:ext cx="0" cy="0"/>
-          <a:chOff x="0" y="0"/>
-          <a:chExt cx="0" cy="0"/>
-        </a:xfrm>
-      </p:grpSpPr>
-      <p:sp>
-        <p:nvSpPr>
-          <p:cNvPr id="2" name="Title 1"/>
-          <p:cNvSpPr>
-            <a:spLocks noGrp="1"/>
-          </p:cNvSpPr>
-          <p:nvPr>
-            <p:ph type="title"/>
-          </p:nvPr>
-        </p:nvSpPr>
-        <p:spPr>
-          <a:xfrm>
-            <a:off x="0" y="594359"/>
-            <a:ext cx="4203911" cy="1028495"/>
-          </a:xfrm>
-        </p:spPr>
-        <p:txBody>
-          <a:bodyPr>
-            <a:normAutofit fontScale="90000"/>
-          </a:bodyPr>
-          <a:lstStyle/>
-          <a:p>
-            <a:r>
-              <a:rPr lang="ru-RU" dirty="0" smtClean="0">
-                <a:latin typeface="Century Gothic" panose="020B0502020202020204" pitchFamily="34" charset="0"/>
-              </a:rPr>
-              <a:t>Пользователь Аутентифицирован</a:t>
-            </a:r>
-            <a:endParaRPr lang="uk-UA" dirty="0">
-              <a:latin typeface="Century Gothic" panose="020B0502020202020204" pitchFamily="34" charset="0"/>
-            </a:endParaRPr>
-          </a:p>
-        </p:txBody>
-      </p:sp>
-      <p:sp>
-        <p:nvSpPr>
-          <p:cNvPr id="4" name="Text Placeholder 3"/>
-          <p:cNvSpPr>
-            <a:spLocks noGrp="1"/>
-          </p:cNvSpPr>
-          <p:nvPr>
-            <p:ph type="body" sz="half" idx="2"/>
-          </p:nvPr>
-        </p:nvSpPr>
-        <p:spPr>
-          <a:xfrm>
-            <a:off x="282633" y="1712422"/>
-            <a:ext cx="3374967" cy="4592782"/>
-          </a:xfrm>
-        </p:spPr>
-        <p:txBody>
-          <a:bodyPr>
-            <a:normAutofit/>
-          </a:bodyPr>
-          <a:lstStyle/>
-          <a:p>
-            <a:r>
-              <a:rPr lang="ru-RU" dirty="0" smtClean="0">
-                <a:latin typeface="Century Gothic" panose="020B0502020202020204" pitchFamily="34" charset="0"/>
-              </a:rPr>
-              <a:t>Главная страница Портала после регистрации пользователя</a:t>
-            </a:r>
-          </a:p>
-        </p:txBody>
-      </p:sp>
-      <p:pic>
-        <p:nvPicPr>
-          <p:cNvPr id="3074" name="Picture 2"/>
-          <p:cNvPicPr>
-            <a:picLocks noChangeAspect="1" noChangeArrowheads="1"/>
-          </p:cNvPicPr>
-          <p:nvPr/>
-        </p:nvPicPr>
-        <p:blipFill>
-          <a:blip r:embed="rId2">
-            <a:extLst>
-              <a:ext uri="{28A0092B-C50C-407E-A947-70E740481C1C}">
-                <a14:useLocalDpi xmlns:a14="http://schemas.microsoft.com/office/drawing/2010/main" val="0"/>
-              </a:ext>
-            </a:extLst>
-          </a:blip>
-          <a:srcRect/>
-          <a:stretch>
-            <a:fillRect/>
-          </a:stretch>
-        </p:blipFill>
-        <p:spPr bwMode="auto">
-          <a:xfrm>
-            <a:off x="4203911" y="681643"/>
-            <a:ext cx="7820288" cy="4979324"/>
-          </a:xfrm>
-          <a:prstGeom prst="rect">
-            <a:avLst/>
-          </a:prstGeom>
-          <a:noFill/>
-          <a:ln>
-            <a:noFill/>
-          </a:ln>
-          <a:extLst>
-            <a:ext uri="{909E8E84-426E-40DD-AFC4-6F175D3DCCD1}">
-              <a14:hiddenFill xmlns:a14="http://schemas.microsoft.com/office/drawing/2010/main">
-                <a:solidFill>
-                  <a:schemeClr val="accent1"/>
-                </a:solidFill>
-              </a14:hiddenFill>
-            </a:ext>
-            <a:ext uri="{91240B29-F687-4F45-9708-019B960494DF}">
-              <a14:hiddenLine xmlns:a14="http://schemas.microsoft.com/office/drawing/2010/main" w="9525">
-                <a:solidFill>
-                  <a:schemeClr val="tx1"/>
-                </a:solidFill>
-                <a:miter lim="800000"/>
-                <a:headEnd/>
-                <a:tailEnd/>
-              </a14:hiddenLine>
-            </a:ext>
-          </a:extLst>
-        </p:spPr>
-      </p:pic>
-      <p:pic>
-        <p:nvPicPr>
-          <p:cNvPr id="3075" name="Picture 3"/>
-          <p:cNvPicPr>
-            <a:picLocks noChangeAspect="1" noChangeArrowheads="1"/>
-          </p:cNvPicPr>
-          <p:nvPr/>
-        </p:nvPicPr>
-        <p:blipFill>
-          <a:blip r:embed="rId3">
-            <a:extLst>
-              <a:ext uri="{28A0092B-C50C-407E-A947-70E740481C1C}">
-                <a14:useLocalDpi xmlns:a14="http://schemas.microsoft.com/office/drawing/2010/main" val="0"/>
-              </a:ext>
-            </a:extLst>
-          </a:blip>
-          <a:srcRect/>
-          <a:stretch>
-            <a:fillRect/>
-          </a:stretch>
-        </p:blipFill>
-        <p:spPr bwMode="auto">
-          <a:xfrm>
-            <a:off x="9738199" y="1557770"/>
-            <a:ext cx="2286000" cy="2495550"/>
-          </a:xfrm>
-          <a:prstGeom prst="rect">
-            <a:avLst/>
-          </a:prstGeom>
-          <a:noFill/>
-          <a:ln>
-            <a:noFill/>
-          </a:ln>
-          <a:extLst>
-            <a:ext uri="{909E8E84-426E-40DD-AFC4-6F175D3DCCD1}">
-              <a14:hiddenFill xmlns:a14="http://schemas.microsoft.com/office/drawing/2010/main">
-                <a:solidFill>
-                  <a:schemeClr val="accent1"/>
-                </a:solidFill>
-              </a14:hiddenFill>
-            </a:ext>
-            <a:ext uri="{91240B29-F687-4F45-9708-019B960494DF}">
-              <a14:hiddenLine xmlns:a14="http://schemas.microsoft.com/office/drawing/2010/main" w="9525">
-                <a:solidFill>
-                  <a:schemeClr val="tx1"/>
-                </a:solidFill>
-                <a:miter lim="800000"/>
-                <a:headEnd/>
-                <a:tailEnd/>
-              </a14:hiddenLine>
-            </a:ext>
-          </a:extLst>
-        </p:spPr>
-      </p:pic>
-    </p:spTree>
-    <p:extLst>
-      <p:ext uri="{BB962C8B-B14F-4D97-AF65-F5344CB8AC3E}">
-        <p14:creationId xmlns:p14="http://schemas.microsoft.com/office/powerpoint/2010/main" val="4197120647"/>
       </p:ext>
     </p:extLst>
   </p:cSld>
@@ -6413,15 +5993,32 @@
           </a:p>
         </p:txBody>
       </p:sp>
+      <p:sp>
+        <p:nvSpPr>
+          <p:cNvPr id="3" name="Content Placeholder 2"/>
+          <p:cNvSpPr>
+            <a:spLocks noGrp="1"/>
+          </p:cNvSpPr>
+          <p:nvPr>
+            <p:ph idx="1"/>
+          </p:nvPr>
+        </p:nvSpPr>
+        <p:spPr/>
+        <p:txBody>
+          <a:bodyPr/>
+          <a:lstStyle/>
+          <a:p>
+            <a:endParaRPr lang="ru-RU"/>
+          </a:p>
+        </p:txBody>
+      </p:sp>
       <p:pic>
         <p:nvPicPr>
-          <p:cNvPr id="9" name="Content Placeholder 8"/>
+          <p:cNvPr id="2050" name="Picture 2"/>
           <p:cNvPicPr>
-            <a:picLocks noGrp="1" noChangeAspect="1"/>
+            <a:picLocks noChangeAspect="1" noChangeArrowheads="1"/>
           </p:cNvPicPr>
-          <p:nvPr>
-            <p:ph idx="1"/>
-          </p:nvPr>
+          <p:nvPr/>
         </p:nvPicPr>
         <p:blipFill>
           <a:blip r:embed="rId2">
@@ -6431,15 +6028,42 @@
               </a:ext>
             </a:extLst>
           </a:blip>
+          <a:srcRect/>
           <a:stretch>
             <a:fillRect/>
           </a:stretch>
         </p:blipFill>
-        <p:spPr>
-          <a:xfrm>
-            <a:off x="4233672" y="594360"/>
-            <a:ext cx="7836408" cy="5877306"/>
-          </a:xfrm>
+        <p:spPr bwMode="auto">
+          <a:xfrm>
+            <a:off x="4262957" y="706669"/>
+            <a:ext cx="7839075" cy="5876925"/>
+          </a:xfrm>
+          <a:prstGeom prst="rect">
+            <a:avLst/>
+          </a:prstGeom>
+          <a:noFill/>
+          <a:ln>
+            <a:noFill/>
+          </a:ln>
+          <a:extLst>
+            <a:ext uri="{909E8E84-426E-40DD-AFC4-6F175D3DCCD1}">
+              <a14:hiddenFill xmlns:a14="http://schemas.microsoft.com/office/drawing/2010/main">
+                <a:solidFill>
+                  <a:schemeClr val="accent1"/>
+                </a:solidFill>
+              </a14:hiddenFill>
+            </a:ext>
+            <a:ext uri="{91240B29-F687-4F45-9708-019B960494DF}">
+              <a14:hiddenLine xmlns:a14="http://schemas.microsoft.com/office/drawing/2010/main" w="9525">
+                <a:solidFill>
+                  <a:schemeClr val="tx1"/>
+                </a:solidFill>
+                <a:miter lim="800000"/>
+                <a:headEnd/>
+                <a:tailEnd/>
+              </a14:hiddenLine>
+            </a:ext>
+          </a:extLst>
         </p:spPr>
       </p:pic>
     </p:spTree>
@@ -6573,15 +6197,32 @@
           </a:p>
         </p:txBody>
       </p:sp>
+      <p:sp>
+        <p:nvSpPr>
+          <p:cNvPr id="3" name="Content Placeholder 2"/>
+          <p:cNvSpPr>
+            <a:spLocks noGrp="1"/>
+          </p:cNvSpPr>
+          <p:nvPr>
+            <p:ph idx="1"/>
+          </p:nvPr>
+        </p:nvSpPr>
+        <p:spPr/>
+        <p:txBody>
+          <a:bodyPr/>
+          <a:lstStyle/>
+          <a:p>
+            <a:endParaRPr lang="ru-RU"/>
+          </a:p>
+        </p:txBody>
+      </p:sp>
       <p:pic>
         <p:nvPicPr>
-          <p:cNvPr id="5" name="Content Placeholder 4"/>
+          <p:cNvPr id="3074" name="Picture 2"/>
           <p:cNvPicPr>
-            <a:picLocks noGrp="1" noChangeAspect="1"/>
+            <a:picLocks noChangeAspect="1" noChangeArrowheads="1"/>
           </p:cNvPicPr>
-          <p:nvPr>
-            <p:ph idx="1"/>
-          </p:nvPr>
+          <p:nvPr/>
         </p:nvPicPr>
         <p:blipFill>
           <a:blip r:embed="rId2">
@@ -6591,15 +6232,42 @@
               </a:ext>
             </a:extLst>
           </a:blip>
+          <a:srcRect/>
           <a:stretch>
             <a:fillRect/>
           </a:stretch>
         </p:blipFill>
-        <p:spPr>
-          <a:xfrm>
-            <a:off x="4233672" y="594360"/>
-            <a:ext cx="7839456" cy="5879592"/>
-          </a:xfrm>
+        <p:spPr bwMode="auto">
+          <a:xfrm>
+            <a:off x="4216631" y="735157"/>
+            <a:ext cx="7848600" cy="5886450"/>
+          </a:xfrm>
+          <a:prstGeom prst="rect">
+            <a:avLst/>
+          </a:prstGeom>
+          <a:noFill/>
+          <a:ln>
+            <a:noFill/>
+          </a:ln>
+          <a:extLst>
+            <a:ext uri="{909E8E84-426E-40DD-AFC4-6F175D3DCCD1}">
+              <a14:hiddenFill xmlns:a14="http://schemas.microsoft.com/office/drawing/2010/main">
+                <a:solidFill>
+                  <a:schemeClr val="accent1"/>
+                </a:solidFill>
+              </a14:hiddenFill>
+            </a:ext>
+            <a:ext uri="{91240B29-F687-4F45-9708-019B960494DF}">
+              <a14:hiddenLine xmlns:a14="http://schemas.microsoft.com/office/drawing/2010/main" w="9525">
+                <a:solidFill>
+                  <a:schemeClr val="tx1"/>
+                </a:solidFill>
+                <a:miter lim="800000"/>
+                <a:headEnd/>
+                <a:tailEnd/>
+              </a14:hiddenLine>
+            </a:ext>
+          </a:extLst>
         </p:spPr>
       </p:pic>
     </p:spTree>
@@ -6713,15 +6381,32 @@
           </a:p>
         </p:txBody>
       </p:sp>
+      <p:sp>
+        <p:nvSpPr>
+          <p:cNvPr id="3" name="Content Placeholder 2"/>
+          <p:cNvSpPr>
+            <a:spLocks noGrp="1"/>
+          </p:cNvSpPr>
+          <p:nvPr>
+            <p:ph idx="1"/>
+          </p:nvPr>
+        </p:nvSpPr>
+        <p:spPr/>
+        <p:txBody>
+          <a:bodyPr/>
+          <a:lstStyle/>
+          <a:p>
+            <a:endParaRPr lang="ru-RU"/>
+          </a:p>
+        </p:txBody>
+      </p:sp>
       <p:pic>
         <p:nvPicPr>
-          <p:cNvPr id="12" name="Content Placeholder 11"/>
+          <p:cNvPr id="4098" name="Picture 2"/>
           <p:cNvPicPr>
-            <a:picLocks noGrp="1" noChangeAspect="1"/>
+            <a:picLocks noChangeAspect="1" noChangeArrowheads="1"/>
           </p:cNvPicPr>
-          <p:nvPr>
-            <p:ph idx="1"/>
-          </p:nvPr>
+          <p:nvPr/>
         </p:nvPicPr>
         <p:blipFill>
           <a:blip r:embed="rId2">
@@ -6731,15 +6416,42 @@
               </a:ext>
             </a:extLst>
           </a:blip>
+          <a:srcRect/>
           <a:stretch>
             <a:fillRect/>
           </a:stretch>
         </p:blipFill>
-        <p:spPr>
-          <a:xfrm>
-            <a:off x="4236395" y="594359"/>
-            <a:ext cx="7835630" cy="5876722"/>
-          </a:xfrm>
+        <p:spPr bwMode="auto">
+          <a:xfrm>
+            <a:off x="4208319" y="751783"/>
+            <a:ext cx="7848600" cy="5886450"/>
+          </a:xfrm>
+          <a:prstGeom prst="rect">
+            <a:avLst/>
+          </a:prstGeom>
+          <a:noFill/>
+          <a:ln>
+            <a:noFill/>
+          </a:ln>
+          <a:extLst>
+            <a:ext uri="{909E8E84-426E-40DD-AFC4-6F175D3DCCD1}">
+              <a14:hiddenFill xmlns:a14="http://schemas.microsoft.com/office/drawing/2010/main">
+                <a:solidFill>
+                  <a:schemeClr val="accent1"/>
+                </a:solidFill>
+              </a14:hiddenFill>
+            </a:ext>
+            <a:ext uri="{91240B29-F687-4F45-9708-019B960494DF}">
+              <a14:hiddenLine xmlns:a14="http://schemas.microsoft.com/office/drawing/2010/main" w="9525">
+                <a:solidFill>
+                  <a:schemeClr val="tx1"/>
+                </a:solidFill>
+                <a:miter lim="800000"/>
+                <a:headEnd/>
+                <a:tailEnd/>
+              </a14:hiddenLine>
+            </a:ext>
+          </a:extLst>
         </p:spPr>
       </p:pic>
     </p:spTree>
@@ -6891,7 +6603,7 @@
       </p:sp>
       <p:pic>
         <p:nvPicPr>
-          <p:cNvPr id="6146" name="Picture 2"/>
+          <p:cNvPr id="5122" name="Picture 2"/>
           <p:cNvPicPr>
             <a:picLocks noChangeAspect="1" noChangeArrowheads="1"/>
           </p:cNvPicPr>
@@ -6912,8 +6624,8 @@
         </p:blipFill>
         <p:spPr bwMode="auto">
           <a:xfrm>
-            <a:off x="4254645" y="561802"/>
-            <a:ext cx="7839075" cy="5867400"/>
+            <a:off x="4191694" y="726844"/>
+            <a:ext cx="7848600" cy="5886450"/>
           </a:xfrm>
           <a:prstGeom prst="rect">
             <a:avLst/>
@@ -7064,7 +6776,25 @@
               <a:rPr lang="uk-UA" dirty="0" smtClean="0">
                 <a:latin typeface="Century Gothic" panose="020B0502020202020204" pitchFamily="34" charset="0"/>
               </a:rPr>
-              <a:t>Появляется сообщение что «</a:t>
+              <a:t>Появляется </a:t>
+            </a:r>
+            <a:r>
+              <a:rPr lang="uk-UA" dirty="0" err="1" smtClean="0">
+                <a:latin typeface="Century Gothic" panose="020B0502020202020204" pitchFamily="34" charset="0"/>
+              </a:rPr>
+              <a:t>сообщение</a:t>
+            </a:r>
+            <a:r>
+              <a:rPr lang="uk-UA" dirty="0" smtClean="0">
+                <a:latin typeface="Century Gothic" panose="020B0502020202020204" pitchFamily="34" charset="0"/>
+              </a:rPr>
+              <a:t> </a:t>
+            </a:r>
+            <a:r>
+              <a:rPr lang="uk-UA" dirty="0" smtClean="0">
+                <a:latin typeface="Century Gothic" panose="020B0502020202020204" pitchFamily="34" charset="0"/>
+              </a:rPr>
+              <a:t>«</a:t>
             </a:r>
             <a:r>
               <a:rPr lang="ru-RU" dirty="0">
@@ -7096,20 +6826,69 @@
               <a:rPr lang="uk-UA" dirty="0" smtClean="0">
                 <a:latin typeface="Century Gothic" panose="020B0502020202020204" pitchFamily="34" charset="0"/>
               </a:rPr>
-              <a:t>Пользователь нажимает на кнопку «Отримати код».</a:t>
-            </a:r>
+              <a:t>Пользователь нажимает на кнопку «Отримати код</a:t>
+            </a:r>
+            <a:r>
+              <a:rPr lang="uk-UA" dirty="0" smtClean="0">
+                <a:latin typeface="Century Gothic" panose="020B0502020202020204" pitchFamily="34" charset="0"/>
+              </a:rPr>
+              <a:t>».</a:t>
+            </a:r>
+            <a:endParaRPr lang="en-US" dirty="0" smtClean="0">
+              <a:latin typeface="Century Gothic" panose="020B0502020202020204" pitchFamily="34" charset="0"/>
+            </a:endParaRPr>
+          </a:p>
+          <a:p>
+            <a:r>
+              <a:rPr lang="ru-RU" dirty="0" smtClean="0">
+                <a:latin typeface="Century Gothic" panose="020B0502020202020204" pitchFamily="34" charset="0"/>
+              </a:rPr>
+              <a:t>Если получение кода невозможно, Пользователь нажимает на ссылку «Не можете </a:t>
+            </a:r>
+            <a:r>
+              <a:rPr lang="ru-RU" dirty="0" err="1" smtClean="0">
+                <a:latin typeface="Century Gothic" panose="020B0502020202020204" pitchFamily="34" charset="0"/>
+              </a:rPr>
+              <a:t>отримати</a:t>
+            </a:r>
+            <a:r>
+              <a:rPr lang="ru-RU" dirty="0" smtClean="0">
+                <a:latin typeface="Century Gothic" panose="020B0502020202020204" pitchFamily="34" charset="0"/>
+              </a:rPr>
+              <a:t> код?» и переходит к слайду 10</a:t>
+            </a:r>
+            <a:endParaRPr lang="uk-UA" dirty="0" smtClean="0">
+              <a:latin typeface="Century Gothic" panose="020B0502020202020204" pitchFamily="34" charset="0"/>
+            </a:endParaRPr>
+          </a:p>
+        </p:txBody>
+      </p:sp>
+      <p:sp>
+        <p:nvSpPr>
+          <p:cNvPr id="3" name="Content Placeholder 2"/>
+          <p:cNvSpPr>
+            <a:spLocks noGrp="1"/>
+          </p:cNvSpPr>
+          <p:nvPr>
+            <p:ph idx="1"/>
+          </p:nvPr>
+        </p:nvSpPr>
+        <p:spPr/>
+        <p:txBody>
+          <a:bodyPr/>
+          <a:lstStyle/>
+          <a:p>
+            <a:endParaRPr lang="ru-RU"/>
           </a:p>
         </p:txBody>
       </p:sp>
       <p:pic>
         <p:nvPicPr>
-          <p:cNvPr id="12" name="Content Placeholder 11"/>
+          <p:cNvPr id="1027" name="Picture 3"/>
           <p:cNvPicPr>
-            <a:picLocks noGrp="1" noChangeAspect="1"/>
+            <a:picLocks noChangeAspect="1" noChangeArrowheads="1"/>
           </p:cNvPicPr>
-          <p:nvPr>
-            <p:ph idx="1"/>
-          </p:nvPr>
+          <p:nvPr/>
         </p:nvPicPr>
         <p:blipFill>
           <a:blip r:embed="rId2">
@@ -7119,15 +6898,42 @@
               </a:ext>
             </a:extLst>
           </a:blip>
+          <a:srcRect/>
           <a:stretch>
             <a:fillRect/>
           </a:stretch>
         </p:blipFill>
-        <p:spPr>
-          <a:xfrm>
-            <a:off x="4236395" y="594359"/>
-            <a:ext cx="7835629" cy="5876722"/>
-          </a:xfrm>
+        <p:spPr bwMode="auto">
+          <a:xfrm>
+            <a:off x="4208318" y="743470"/>
+            <a:ext cx="7848600" cy="5886450"/>
+          </a:xfrm>
+          <a:prstGeom prst="rect">
+            <a:avLst/>
+          </a:prstGeom>
+          <a:noFill/>
+          <a:ln>
+            <a:noFill/>
+          </a:ln>
+          <a:extLst>
+            <a:ext uri="{909E8E84-426E-40DD-AFC4-6F175D3DCCD1}">
+              <a14:hiddenFill xmlns:a14="http://schemas.microsoft.com/office/drawing/2010/main">
+                <a:solidFill>
+                  <a:schemeClr val="accent1"/>
+                </a:solidFill>
+              </a14:hiddenFill>
+            </a:ext>
+            <a:ext uri="{91240B29-F687-4F45-9708-019B960494DF}">
+              <a14:hiddenLine xmlns:a14="http://schemas.microsoft.com/office/drawing/2010/main" w="9525">
+                <a:solidFill>
+                  <a:schemeClr val="tx1"/>
+                </a:solidFill>
+                <a:miter lim="800000"/>
+                <a:headEnd/>
+                <a:tailEnd/>
+              </a14:hiddenLine>
+            </a:ext>
+          </a:extLst>
         </p:spPr>
       </p:pic>
     </p:spTree>
@@ -7267,8 +7073,23 @@
               <a:rPr lang="uk-UA" dirty="0" smtClean="0">
                 <a:latin typeface="Century Gothic" panose="020B0502020202020204" pitchFamily="34" charset="0"/>
               </a:rPr>
-              <a:t>»</a:t>
-            </a:r>
+              <a:t>» </a:t>
+            </a:r>
+            <a:r>
+              <a:rPr lang="uk-UA" dirty="0" err="1" smtClean="0">
+                <a:latin typeface="Century Gothic" panose="020B0502020202020204" pitchFamily="34" charset="0"/>
+              </a:rPr>
+              <a:t>переход</a:t>
+            </a:r>
+            <a:r>
+              <a:rPr lang="uk-UA" dirty="0" smtClean="0">
+                <a:latin typeface="Century Gothic" panose="020B0502020202020204" pitchFamily="34" charset="0"/>
+              </a:rPr>
+              <a:t> к слайду 12</a:t>
+            </a:r>
+            <a:endParaRPr lang="uk-UA" dirty="0" smtClean="0">
+              <a:latin typeface="Century Gothic" panose="020B0502020202020204" pitchFamily="34" charset="0"/>
+            </a:endParaRPr>
           </a:p>
           <a:p>
             <a:r>
@@ -7295,18 +7116,35 @@
               </a:rPr>
               <a:t>?»</a:t>
             </a:r>
+          </a:p>
+        </p:txBody>
+      </p:sp>
+      <p:sp>
+        <p:nvSpPr>
+          <p:cNvPr id="3" name="Content Placeholder 2"/>
+          <p:cNvSpPr>
+            <a:spLocks noGrp="1"/>
+          </p:cNvSpPr>
+          <p:nvPr>
+            <p:ph idx="1"/>
+          </p:nvPr>
+        </p:nvSpPr>
+        <p:spPr/>
+        <p:txBody>
+          <a:bodyPr/>
+          <a:lstStyle/>
+          <a:p>
+            <a:endParaRPr lang="ru-RU"/>
           </a:p>
         </p:txBody>
       </p:sp>
       <p:pic>
         <p:nvPicPr>
-          <p:cNvPr id="12" name="Content Placeholder 11"/>
+          <p:cNvPr id="6147" name="Picture 3"/>
           <p:cNvPicPr>
-            <a:picLocks noGrp="1" noChangeAspect="1"/>
+            <a:picLocks noChangeAspect="1" noChangeArrowheads="1"/>
           </p:cNvPicPr>
-          <p:nvPr>
-            <p:ph idx="1"/>
-          </p:nvPr>
+          <p:nvPr/>
         </p:nvPicPr>
         <p:blipFill>
           <a:blip r:embed="rId2">
@@ -7316,15 +7154,42 @@
               </a:ext>
             </a:extLst>
           </a:blip>
+          <a:srcRect/>
           <a:stretch>
             <a:fillRect/>
           </a:stretch>
         </p:blipFill>
-        <p:spPr>
-          <a:xfrm>
-            <a:off x="4236395" y="594359"/>
-            <a:ext cx="7835629" cy="5876721"/>
-          </a:xfrm>
+        <p:spPr bwMode="auto">
+          <a:xfrm>
+            <a:off x="4216633" y="737496"/>
+            <a:ext cx="7848600" cy="5915025"/>
+          </a:xfrm>
+          <a:prstGeom prst="rect">
+            <a:avLst/>
+          </a:prstGeom>
+          <a:noFill/>
+          <a:ln>
+            <a:noFill/>
+          </a:ln>
+          <a:extLst>
+            <a:ext uri="{909E8E84-426E-40DD-AFC4-6F175D3DCCD1}">
+              <a14:hiddenFill xmlns:a14="http://schemas.microsoft.com/office/drawing/2010/main">
+                <a:solidFill>
+                  <a:schemeClr val="accent1"/>
+                </a:solidFill>
+              </a14:hiddenFill>
+            </a:ext>
+            <a:ext uri="{91240B29-F687-4F45-9708-019B960494DF}">
+              <a14:hiddenLine xmlns:a14="http://schemas.microsoft.com/office/drawing/2010/main" w="9525">
+                <a:solidFill>
+                  <a:schemeClr val="tx1"/>
+                </a:solidFill>
+                <a:miter lim="800000"/>
+                <a:headEnd/>
+                <a:tailEnd/>
+              </a14:hiddenLine>
+            </a:ext>
+          </a:extLst>
         </p:spPr>
       </p:pic>
     </p:spTree>
@@ -7543,15 +7408,32 @@
           </a:p>
         </p:txBody>
       </p:sp>
+      <p:sp>
+        <p:nvSpPr>
+          <p:cNvPr id="3" name="Content Placeholder 2"/>
+          <p:cNvSpPr>
+            <a:spLocks noGrp="1"/>
+          </p:cNvSpPr>
+          <p:nvPr>
+            <p:ph idx="1"/>
+          </p:nvPr>
+        </p:nvSpPr>
+        <p:spPr/>
+        <p:txBody>
+          <a:bodyPr/>
+          <a:lstStyle/>
+          <a:p>
+            <a:endParaRPr lang="ru-RU" dirty="0"/>
+          </a:p>
+        </p:txBody>
+      </p:sp>
       <p:pic>
         <p:nvPicPr>
-          <p:cNvPr id="12" name="Content Placeholder 11"/>
+          <p:cNvPr id="7171" name="Picture 3"/>
           <p:cNvPicPr>
-            <a:picLocks noGrp="1" noChangeAspect="1"/>
+            <a:picLocks noChangeAspect="1" noChangeArrowheads="1"/>
           </p:cNvPicPr>
-          <p:nvPr>
-            <p:ph idx="1"/>
-          </p:nvPr>
+          <p:nvPr/>
         </p:nvPicPr>
         <p:blipFill>
           <a:blip r:embed="rId2">
@@ -7561,15 +7443,42 @@
               </a:ext>
             </a:extLst>
           </a:blip>
+          <a:srcRect/>
           <a:stretch>
             <a:fillRect/>
           </a:stretch>
         </p:blipFill>
-        <p:spPr>
-          <a:xfrm>
-            <a:off x="4236395" y="594359"/>
-            <a:ext cx="7835629" cy="5876721"/>
-          </a:xfrm>
+        <p:spPr bwMode="auto">
+          <a:xfrm>
+            <a:off x="4200007" y="720870"/>
+            <a:ext cx="7848600" cy="5915025"/>
+          </a:xfrm>
+          <a:prstGeom prst="rect">
+            <a:avLst/>
+          </a:prstGeom>
+          <a:noFill/>
+          <a:ln>
+            <a:noFill/>
+          </a:ln>
+          <a:extLst>
+            <a:ext uri="{909E8E84-426E-40DD-AFC4-6F175D3DCCD1}">
+              <a14:hiddenFill xmlns:a14="http://schemas.microsoft.com/office/drawing/2010/main">
+                <a:solidFill>
+                  <a:schemeClr val="accent1"/>
+                </a:solidFill>
+              </a14:hiddenFill>
+            </a:ext>
+            <a:ext uri="{91240B29-F687-4F45-9708-019B960494DF}">
+              <a14:hiddenLine xmlns:a14="http://schemas.microsoft.com/office/drawing/2010/main" w="9525">
+                <a:solidFill>
+                  <a:schemeClr val="tx1"/>
+                </a:solidFill>
+                <a:miter lim="800000"/>
+                <a:headEnd/>
+                <a:tailEnd/>
+              </a14:hiddenLine>
+            </a:ext>
+          </a:extLst>
         </p:spPr>
       </p:pic>
       <p:pic>
@@ -7923,7 +7832,7 @@
   <a:extraClrSchemeLst/>
   <a:extLst>
     <a:ext uri="{05A4C25C-085E-4340-85A3-A5531E510DB2}">
-      <thm15:themeFamily xmlns="" xmlns:thm15="http://schemas.microsoft.com/office/thememl/2012/main" name="Retrospect" id="{5F128B03-DCCA-4EEB-AB3B-CF2899314A46}" vid="{9CC26709-368C-4D72-9060-94E5B3FF3CD6}"/>
+      <thm15:themeFamily xmlns:thm15="http://schemas.microsoft.com/office/thememl/2012/main" xmlns="" name="Retrospect" id="{5F128B03-DCCA-4EEB-AB3B-CF2899314A46}" vid="{9CC26709-368C-4D72-9060-94E5B3FF3CD6}"/>
     </a:ext>
   </a:extLst>
 </a:theme>
